--- a/FinalDemo/2013136082_이상욱_PPT.pptx
+++ b/FinalDemo/2013136082_이상욱_PPT.pptx
@@ -5,7 +5,7 @@
     <p:sldMasterId id="2147483651" r:id="rId1"/>
   </p:sldMasterIdLst>
   <p:notesMasterIdLst>
-    <p:notesMasterId r:id="rId9"/>
+    <p:notesMasterId r:id="rId13"/>
   </p:notesMasterIdLst>
   <p:sldIdLst>
     <p:sldId id="256" r:id="rId2"/>
@@ -14,24 +14,28 @@
     <p:sldId id="261" r:id="rId5"/>
     <p:sldId id="273" r:id="rId6"/>
     <p:sldId id="274" r:id="rId7"/>
-    <p:sldId id="265" r:id="rId8"/>
+    <p:sldId id="275" r:id="rId8"/>
+    <p:sldId id="277" r:id="rId9"/>
+    <p:sldId id="278" r:id="rId10"/>
+    <p:sldId id="279" r:id="rId11"/>
+    <p:sldId id="265" r:id="rId12"/>
   </p:sldIdLst>
   <p:sldSz cx="9144000" cy="6858000" type="screen4x3"/>
   <p:notesSz cx="6858000" cy="9144000"/>
   <p:embeddedFontLst>
     <p:embeddedFont>
-      <p:font typeface="함초롬바탕" panose="02030504000101010101" pitchFamily="18" charset="-127"/>
-      <p:regular r:id="rId10"/>
-      <p:bold r:id="rId11"/>
+      <p:font typeface="맑은 고딕" panose="020B0503020000020004" pitchFamily="50" charset="-127"/>
+      <p:regular r:id="rId14"/>
+      <p:bold r:id="rId15"/>
     </p:embeddedFont>
     <p:embeddedFont>
-      <p:font typeface="맑은 고딕" panose="020B0503020000020004" pitchFamily="50" charset="-127"/>
-      <p:regular r:id="rId12"/>
-      <p:bold r:id="rId13"/>
+      <p:font typeface="함초롬바탕" panose="02030504000101010101" pitchFamily="18" charset="-127"/>
+      <p:regular r:id="rId16"/>
+      <p:bold r:id="rId17"/>
     </p:embeddedFont>
     <p:embeddedFont>
       <p:font typeface="Opificio" panose="02000506000000020004" pitchFamily="2" charset="0"/>
-      <p:regular r:id="rId14"/>
+      <p:regular r:id="rId18"/>
     </p:embeddedFont>
   </p:embeddedFontLst>
   <p:defaultTextStyle>
@@ -1284,22 +1288,22 @@
     </dgm:pt>
   </dgm:ptLst>
   <dgm:cxnLst>
+    <dgm:cxn modelId="{4722C8C0-C592-436A-92C2-2DE9A40638C8}" type="presOf" srcId="{C56E4104-DD03-418A-B83C-8C8200866442}" destId="{B6B49CA6-5E2E-4D31-A11E-CF9FB3FCB4C2}" srcOrd="0" destOrd="0" presId="urn:microsoft.com/office/officeart/2005/8/layout/vProcess5"/>
+    <dgm:cxn modelId="{687BB04D-B9EE-4F69-83A4-D04A312B7749}" type="presOf" srcId="{4854FAF5-62E0-47B6-ABC9-CA2548AD2A96}" destId="{5FBC8C50-AE8F-4250-BF5E-A48A972111AA}" srcOrd="1" destOrd="0" presId="urn:microsoft.com/office/officeart/2005/8/layout/vProcess5"/>
     <dgm:cxn modelId="{5442655E-FE37-42E2-8082-87934D0F57F3}" type="presOf" srcId="{E9801EF2-32ED-4618-8675-EB2776EECE26}" destId="{480F0CD2-7180-466D-9C05-E857DDA4CDF5}" srcOrd="0" destOrd="0" presId="urn:microsoft.com/office/officeart/2005/8/layout/vProcess5"/>
+    <dgm:cxn modelId="{9F9033FB-3E8C-4C4E-8FE6-389CD7AC3999}" type="presOf" srcId="{806DFD50-7542-4C45-90B5-AD4A606E7C4E}" destId="{76F0AD0A-A528-4FDF-B9CA-0629EDABF89E}" srcOrd="0" destOrd="0" presId="urn:microsoft.com/office/officeart/2005/8/layout/vProcess5"/>
+    <dgm:cxn modelId="{421CA577-9001-432B-A3CC-D511C592C239}" srcId="{562E0553-D401-4D92-88AB-FDB56667E862}" destId="{E9801EF2-32ED-4618-8675-EB2776EECE26}" srcOrd="0" destOrd="0" parTransId="{C164EF5D-7F56-4D6A-93EA-DFA90FEE71F2}" sibTransId="{1F728B10-07EA-4F40-8689-1F6E8F2DFD52}"/>
+    <dgm:cxn modelId="{CFAA1E5F-EE1D-498A-8A8D-7D78AA5DF9D0}" type="presOf" srcId="{562E0553-D401-4D92-88AB-FDB56667E862}" destId="{5E3DCF3B-A2D8-4DBE-9AC6-4E8B9D83B640}" srcOrd="0" destOrd="0" presId="urn:microsoft.com/office/officeart/2005/8/layout/vProcess5"/>
     <dgm:cxn modelId="{9359A1F1-21A4-4095-87A8-CDD173C4A8FB}" type="presOf" srcId="{E4FEECF6-F29C-4ADB-9C74-08C07007EE33}" destId="{017031B9-75A1-4B84-A682-A4F89D801478}" srcOrd="1" destOrd="0" presId="urn:microsoft.com/office/officeart/2005/8/layout/vProcess5"/>
-    <dgm:cxn modelId="{4722C8C0-C592-436A-92C2-2DE9A40638C8}" type="presOf" srcId="{C56E4104-DD03-418A-B83C-8C8200866442}" destId="{B6B49CA6-5E2E-4D31-A11E-CF9FB3FCB4C2}" srcOrd="0" destOrd="0" presId="urn:microsoft.com/office/officeart/2005/8/layout/vProcess5"/>
-    <dgm:cxn modelId="{CFAA1E5F-EE1D-498A-8A8D-7D78AA5DF9D0}" type="presOf" srcId="{562E0553-D401-4D92-88AB-FDB56667E862}" destId="{5E3DCF3B-A2D8-4DBE-9AC6-4E8B9D83B640}" srcOrd="0" destOrd="0" presId="urn:microsoft.com/office/officeart/2005/8/layout/vProcess5"/>
-    <dgm:cxn modelId="{9F9033FB-3E8C-4C4E-8FE6-389CD7AC3999}" type="presOf" srcId="{806DFD50-7542-4C45-90B5-AD4A606E7C4E}" destId="{76F0AD0A-A528-4FDF-B9CA-0629EDABF89E}" srcOrd="0" destOrd="0" presId="urn:microsoft.com/office/officeart/2005/8/layout/vProcess5"/>
+    <dgm:cxn modelId="{4114136B-AC99-48A3-A8B5-0D0B760DB83B}" type="presOf" srcId="{E4FEECF6-F29C-4ADB-9C74-08C07007EE33}" destId="{772105B5-5232-42BD-9C33-8E93BEC72910}" srcOrd="0" destOrd="0" presId="urn:microsoft.com/office/officeart/2005/8/layout/vProcess5"/>
+    <dgm:cxn modelId="{52585DBB-6E05-4250-9644-C0E937A6545D}" srcId="{562E0553-D401-4D92-88AB-FDB56667E862}" destId="{C56E4104-DD03-418A-B83C-8C8200866442}" srcOrd="1" destOrd="0" parTransId="{189C1512-AB50-41FE-9406-4B4F3AC85718}" sibTransId="{806DFD50-7542-4C45-90B5-AD4A606E7C4E}"/>
+    <dgm:cxn modelId="{E39DFD61-62DA-4DBA-8135-7E1EE9D5524E}" srcId="{562E0553-D401-4D92-88AB-FDB56667E862}" destId="{4854FAF5-62E0-47B6-ABC9-CA2548AD2A96}" srcOrd="2" destOrd="0" parTransId="{7831D4F6-8393-4066-AAA6-0EEA617A8200}" sibTransId="{EEE47391-1CE0-4E17-BB12-B8DEECBA09E9}"/>
+    <dgm:cxn modelId="{B49E9B3F-D950-4574-B729-D7676135A57B}" type="presOf" srcId="{4854FAF5-62E0-47B6-ABC9-CA2548AD2A96}" destId="{51E772D2-5F44-4132-9924-84BF18D1EDD8}" srcOrd="0" destOrd="0" presId="urn:microsoft.com/office/officeart/2005/8/layout/vProcess5"/>
     <dgm:cxn modelId="{BBE396AB-5C39-4ADB-8FD0-FF61456098C0}" type="presOf" srcId="{EEE47391-1CE0-4E17-BB12-B8DEECBA09E9}" destId="{B552811C-46E7-4D7D-A3AA-6DEAE6AED744}" srcOrd="0" destOrd="0" presId="urn:microsoft.com/office/officeart/2005/8/layout/vProcess5"/>
-    <dgm:cxn modelId="{4114136B-AC99-48A3-A8B5-0D0B760DB83B}" type="presOf" srcId="{E4FEECF6-F29C-4ADB-9C74-08C07007EE33}" destId="{772105B5-5232-42BD-9C33-8E93BEC72910}" srcOrd="0" destOrd="0" presId="urn:microsoft.com/office/officeart/2005/8/layout/vProcess5"/>
-    <dgm:cxn modelId="{421CA577-9001-432B-A3CC-D511C592C239}" srcId="{562E0553-D401-4D92-88AB-FDB56667E862}" destId="{E9801EF2-32ED-4618-8675-EB2776EECE26}" srcOrd="0" destOrd="0" parTransId="{C164EF5D-7F56-4D6A-93EA-DFA90FEE71F2}" sibTransId="{1F728B10-07EA-4F40-8689-1F6E8F2DFD52}"/>
-    <dgm:cxn modelId="{B49E9B3F-D950-4574-B729-D7676135A57B}" type="presOf" srcId="{4854FAF5-62E0-47B6-ABC9-CA2548AD2A96}" destId="{51E772D2-5F44-4132-9924-84BF18D1EDD8}" srcOrd="0" destOrd="0" presId="urn:microsoft.com/office/officeart/2005/8/layout/vProcess5"/>
+    <dgm:cxn modelId="{4D21D483-B74F-4A54-AD9E-9268BE2EAB0B}" srcId="{562E0553-D401-4D92-88AB-FDB56667E862}" destId="{E4FEECF6-F29C-4ADB-9C74-08C07007EE33}" srcOrd="3" destOrd="0" parTransId="{AE84024A-CAEA-4ACC-8015-0645E07DC682}" sibTransId="{839BC79B-523B-452A-9A89-6E8A74D89612}"/>
+    <dgm:cxn modelId="{4A0A1E4E-4E03-4767-AE77-727BF7F63E11}" type="presOf" srcId="{C56E4104-DD03-418A-B83C-8C8200866442}" destId="{1185FFCF-EEED-4E38-9DCE-0C447C16611E}" srcOrd="1" destOrd="0" presId="urn:microsoft.com/office/officeart/2005/8/layout/vProcess5"/>
+    <dgm:cxn modelId="{23BF6CC5-D58E-4F10-BBF6-6EC7CA5C3F79}" type="presOf" srcId="{E9801EF2-32ED-4618-8675-EB2776EECE26}" destId="{A0AB7C40-F8B8-43DD-A9A9-EA07D957C115}" srcOrd="1" destOrd="0" presId="urn:microsoft.com/office/officeart/2005/8/layout/vProcess5"/>
     <dgm:cxn modelId="{908D4BCA-4C08-4D9C-96CF-0242D2F27AB2}" type="presOf" srcId="{1F728B10-07EA-4F40-8689-1F6E8F2DFD52}" destId="{9C48ED0C-5442-4B87-98C2-A9E7F0251BB3}" srcOrd="0" destOrd="0" presId="urn:microsoft.com/office/officeart/2005/8/layout/vProcess5"/>
-    <dgm:cxn modelId="{4A0A1E4E-4E03-4767-AE77-727BF7F63E11}" type="presOf" srcId="{C56E4104-DD03-418A-B83C-8C8200866442}" destId="{1185FFCF-EEED-4E38-9DCE-0C447C16611E}" srcOrd="1" destOrd="0" presId="urn:microsoft.com/office/officeart/2005/8/layout/vProcess5"/>
-    <dgm:cxn modelId="{687BB04D-B9EE-4F69-83A4-D04A312B7749}" type="presOf" srcId="{4854FAF5-62E0-47B6-ABC9-CA2548AD2A96}" destId="{5FBC8C50-AE8F-4250-BF5E-A48A972111AA}" srcOrd="1" destOrd="0" presId="urn:microsoft.com/office/officeart/2005/8/layout/vProcess5"/>
-    <dgm:cxn modelId="{23BF6CC5-D58E-4F10-BBF6-6EC7CA5C3F79}" type="presOf" srcId="{E9801EF2-32ED-4618-8675-EB2776EECE26}" destId="{A0AB7C40-F8B8-43DD-A9A9-EA07D957C115}" srcOrd="1" destOrd="0" presId="urn:microsoft.com/office/officeart/2005/8/layout/vProcess5"/>
-    <dgm:cxn modelId="{E39DFD61-62DA-4DBA-8135-7E1EE9D5524E}" srcId="{562E0553-D401-4D92-88AB-FDB56667E862}" destId="{4854FAF5-62E0-47B6-ABC9-CA2548AD2A96}" srcOrd="2" destOrd="0" parTransId="{7831D4F6-8393-4066-AAA6-0EEA617A8200}" sibTransId="{EEE47391-1CE0-4E17-BB12-B8DEECBA09E9}"/>
-    <dgm:cxn modelId="{4D21D483-B74F-4A54-AD9E-9268BE2EAB0B}" srcId="{562E0553-D401-4D92-88AB-FDB56667E862}" destId="{E4FEECF6-F29C-4ADB-9C74-08C07007EE33}" srcOrd="3" destOrd="0" parTransId="{AE84024A-CAEA-4ACC-8015-0645E07DC682}" sibTransId="{839BC79B-523B-452A-9A89-6E8A74D89612}"/>
-    <dgm:cxn modelId="{52585DBB-6E05-4250-9644-C0E937A6545D}" srcId="{562E0553-D401-4D92-88AB-FDB56667E862}" destId="{C56E4104-DD03-418A-B83C-8C8200866442}" srcOrd="1" destOrd="0" parTransId="{189C1512-AB50-41FE-9406-4B4F3AC85718}" sibTransId="{806DFD50-7542-4C45-90B5-AD4A606E7C4E}"/>
     <dgm:cxn modelId="{7501511D-5741-4D7A-8964-3F2BD12A9B10}" type="presParOf" srcId="{5E3DCF3B-A2D8-4DBE-9AC6-4E8B9D83B640}" destId="{51E727ED-F06C-4798-94E0-A67909024D71}" srcOrd="0" destOrd="0" presId="urn:microsoft.com/office/officeart/2005/8/layout/vProcess5"/>
     <dgm:cxn modelId="{D82EC521-93CC-4E49-A92E-DBDE1E02C1C9}" type="presParOf" srcId="{5E3DCF3B-A2D8-4DBE-9AC6-4E8B9D83B640}" destId="{480F0CD2-7180-466D-9C05-E857DDA4CDF5}" srcOrd="1" destOrd="0" presId="urn:microsoft.com/office/officeart/2005/8/layout/vProcess5"/>
     <dgm:cxn modelId="{5D0FD9AD-2E77-42EF-BAD0-A0F09357E952}" type="presParOf" srcId="{5E3DCF3B-A2D8-4DBE-9AC6-4E8B9D83B640}" destId="{B6B49CA6-5E2E-4D31-A11E-CF9FB3FCB4C2}" srcOrd="2" destOrd="0" presId="urn:microsoft.com/office/officeart/2005/8/layout/vProcess5"/>
@@ -4848,6 +4852,342 @@
 </p:notes>
 </file>
 
+<file path=ppt/notesSlides/notesSlide5.xml><?xml version="1.0" encoding="utf-8"?>
+<p:notes xmlns:a="http://schemas.openxmlformats.org/drawingml/2006/main" xmlns:r="http://schemas.openxmlformats.org/officeDocument/2006/relationships" xmlns:p="http://schemas.openxmlformats.org/presentationml/2006/main">
+  <p:cSld>
+    <p:spTree>
+      <p:nvGrpSpPr>
+        <p:cNvPr id="1" name=""/>
+        <p:cNvGrpSpPr/>
+        <p:nvPr/>
+      </p:nvGrpSpPr>
+      <p:grpSpPr>
+        <a:xfrm>
+          <a:off x="0" y="0"/>
+          <a:ext cx="0" cy="0"/>
+          <a:chOff x="0" y="0"/>
+          <a:chExt cx="0" cy="0"/>
+        </a:xfrm>
+      </p:grpSpPr>
+      <p:sp>
+        <p:nvSpPr>
+          <p:cNvPr id="2" name="슬라이드 이미지 개체 틀 1"/>
+          <p:cNvSpPr>
+            <a:spLocks noGrp="1" noRot="1" noChangeAspect="1"/>
+          </p:cNvSpPr>
+          <p:nvPr>
+            <p:ph type="sldImg"/>
+          </p:nvPr>
+        </p:nvSpPr>
+        <p:spPr/>
+      </p:sp>
+      <p:sp>
+        <p:nvSpPr>
+          <p:cNvPr id="3" name="슬라이드 노트 개체 틀 2"/>
+          <p:cNvSpPr>
+            <a:spLocks noGrp="1"/>
+          </p:cNvSpPr>
+          <p:nvPr>
+            <p:ph type="body" idx="1"/>
+          </p:nvPr>
+        </p:nvSpPr>
+        <p:spPr/>
+        <p:txBody>
+          <a:bodyPr/>
+          <a:lstStyle/>
+          <a:p>
+            <a:endParaRPr lang="ko-KR" altLang="en-US"/>
+          </a:p>
+        </p:txBody>
+      </p:sp>
+      <p:sp>
+        <p:nvSpPr>
+          <p:cNvPr id="4" name="슬라이드 번호 개체 틀 3"/>
+          <p:cNvSpPr>
+            <a:spLocks noGrp="1"/>
+          </p:cNvSpPr>
+          <p:nvPr>
+            <p:ph type="sldNum" sz="quarter" idx="10"/>
+          </p:nvPr>
+        </p:nvSpPr>
+        <p:spPr/>
+        <p:txBody>
+          <a:bodyPr/>
+          <a:lstStyle/>
+          <a:p>
+            <a:fld id="{67D67DDE-CA0F-4277-86BB-1ACF1F4DDD02}" type="slidenum">
+              <a:rPr lang="ko-KR" altLang="en-US" smtClean="0"/>
+              <a:t>7</a:t>
+            </a:fld>
+            <a:endParaRPr lang="ko-KR" altLang="en-US"/>
+          </a:p>
+        </p:txBody>
+      </p:sp>
+    </p:spTree>
+    <p:extLst>
+      <p:ext uri="{BB962C8B-B14F-4D97-AF65-F5344CB8AC3E}">
+        <p14:creationId xmlns:p14="http://schemas.microsoft.com/office/powerpoint/2010/main" val="834254289"/>
+      </p:ext>
+    </p:extLst>
+  </p:cSld>
+  <p:clrMapOvr>
+    <a:masterClrMapping/>
+  </p:clrMapOvr>
+</p:notes>
+</file>
+
+<file path=ppt/notesSlides/notesSlide6.xml><?xml version="1.0" encoding="utf-8"?>
+<p:notes xmlns:a="http://schemas.openxmlformats.org/drawingml/2006/main" xmlns:r="http://schemas.openxmlformats.org/officeDocument/2006/relationships" xmlns:p="http://schemas.openxmlformats.org/presentationml/2006/main">
+  <p:cSld>
+    <p:spTree>
+      <p:nvGrpSpPr>
+        <p:cNvPr id="1" name=""/>
+        <p:cNvGrpSpPr/>
+        <p:nvPr/>
+      </p:nvGrpSpPr>
+      <p:grpSpPr>
+        <a:xfrm>
+          <a:off x="0" y="0"/>
+          <a:ext cx="0" cy="0"/>
+          <a:chOff x="0" y="0"/>
+          <a:chExt cx="0" cy="0"/>
+        </a:xfrm>
+      </p:grpSpPr>
+      <p:sp>
+        <p:nvSpPr>
+          <p:cNvPr id="2" name="슬라이드 이미지 개체 틀 1"/>
+          <p:cNvSpPr>
+            <a:spLocks noGrp="1" noRot="1" noChangeAspect="1"/>
+          </p:cNvSpPr>
+          <p:nvPr>
+            <p:ph type="sldImg"/>
+          </p:nvPr>
+        </p:nvSpPr>
+        <p:spPr/>
+      </p:sp>
+      <p:sp>
+        <p:nvSpPr>
+          <p:cNvPr id="3" name="슬라이드 노트 개체 틀 2"/>
+          <p:cNvSpPr>
+            <a:spLocks noGrp="1"/>
+          </p:cNvSpPr>
+          <p:nvPr>
+            <p:ph type="body" idx="1"/>
+          </p:nvPr>
+        </p:nvSpPr>
+        <p:spPr/>
+        <p:txBody>
+          <a:bodyPr/>
+          <a:lstStyle/>
+          <a:p>
+            <a:endParaRPr lang="ko-KR" altLang="en-US"/>
+          </a:p>
+        </p:txBody>
+      </p:sp>
+      <p:sp>
+        <p:nvSpPr>
+          <p:cNvPr id="4" name="슬라이드 번호 개체 틀 3"/>
+          <p:cNvSpPr>
+            <a:spLocks noGrp="1"/>
+          </p:cNvSpPr>
+          <p:nvPr>
+            <p:ph type="sldNum" sz="quarter" idx="10"/>
+          </p:nvPr>
+        </p:nvSpPr>
+        <p:spPr/>
+        <p:txBody>
+          <a:bodyPr/>
+          <a:lstStyle/>
+          <a:p>
+            <a:fld id="{67D67DDE-CA0F-4277-86BB-1ACF1F4DDD02}" type="slidenum">
+              <a:rPr lang="ko-KR" altLang="en-US" smtClean="0"/>
+              <a:t>8</a:t>
+            </a:fld>
+            <a:endParaRPr lang="ko-KR" altLang="en-US"/>
+          </a:p>
+        </p:txBody>
+      </p:sp>
+    </p:spTree>
+    <p:extLst>
+      <p:ext uri="{BB962C8B-B14F-4D97-AF65-F5344CB8AC3E}">
+        <p14:creationId xmlns:p14="http://schemas.microsoft.com/office/powerpoint/2010/main" val="834254289"/>
+      </p:ext>
+    </p:extLst>
+  </p:cSld>
+  <p:clrMapOvr>
+    <a:masterClrMapping/>
+  </p:clrMapOvr>
+</p:notes>
+</file>
+
+<file path=ppt/notesSlides/notesSlide7.xml><?xml version="1.0" encoding="utf-8"?>
+<p:notes xmlns:a="http://schemas.openxmlformats.org/drawingml/2006/main" xmlns:r="http://schemas.openxmlformats.org/officeDocument/2006/relationships" xmlns:p="http://schemas.openxmlformats.org/presentationml/2006/main">
+  <p:cSld>
+    <p:spTree>
+      <p:nvGrpSpPr>
+        <p:cNvPr id="1" name=""/>
+        <p:cNvGrpSpPr/>
+        <p:nvPr/>
+      </p:nvGrpSpPr>
+      <p:grpSpPr>
+        <a:xfrm>
+          <a:off x="0" y="0"/>
+          <a:ext cx="0" cy="0"/>
+          <a:chOff x="0" y="0"/>
+          <a:chExt cx="0" cy="0"/>
+        </a:xfrm>
+      </p:grpSpPr>
+      <p:sp>
+        <p:nvSpPr>
+          <p:cNvPr id="2" name="슬라이드 이미지 개체 틀 1"/>
+          <p:cNvSpPr>
+            <a:spLocks noGrp="1" noRot="1" noChangeAspect="1"/>
+          </p:cNvSpPr>
+          <p:nvPr>
+            <p:ph type="sldImg"/>
+          </p:nvPr>
+        </p:nvSpPr>
+        <p:spPr/>
+      </p:sp>
+      <p:sp>
+        <p:nvSpPr>
+          <p:cNvPr id="3" name="슬라이드 노트 개체 틀 2"/>
+          <p:cNvSpPr>
+            <a:spLocks noGrp="1"/>
+          </p:cNvSpPr>
+          <p:nvPr>
+            <p:ph type="body" idx="1"/>
+          </p:nvPr>
+        </p:nvSpPr>
+        <p:spPr/>
+        <p:txBody>
+          <a:bodyPr/>
+          <a:lstStyle/>
+          <a:p>
+            <a:endParaRPr lang="ko-KR" altLang="en-US"/>
+          </a:p>
+        </p:txBody>
+      </p:sp>
+      <p:sp>
+        <p:nvSpPr>
+          <p:cNvPr id="4" name="슬라이드 번호 개체 틀 3"/>
+          <p:cNvSpPr>
+            <a:spLocks noGrp="1"/>
+          </p:cNvSpPr>
+          <p:nvPr>
+            <p:ph type="sldNum" sz="quarter" idx="10"/>
+          </p:nvPr>
+        </p:nvSpPr>
+        <p:spPr/>
+        <p:txBody>
+          <a:bodyPr/>
+          <a:lstStyle/>
+          <a:p>
+            <a:fld id="{67D67DDE-CA0F-4277-86BB-1ACF1F4DDD02}" type="slidenum">
+              <a:rPr lang="ko-KR" altLang="en-US" smtClean="0"/>
+              <a:t>9</a:t>
+            </a:fld>
+            <a:endParaRPr lang="ko-KR" altLang="en-US"/>
+          </a:p>
+        </p:txBody>
+      </p:sp>
+    </p:spTree>
+    <p:extLst>
+      <p:ext uri="{BB962C8B-B14F-4D97-AF65-F5344CB8AC3E}">
+        <p14:creationId xmlns:p14="http://schemas.microsoft.com/office/powerpoint/2010/main" val="834254289"/>
+      </p:ext>
+    </p:extLst>
+  </p:cSld>
+  <p:clrMapOvr>
+    <a:masterClrMapping/>
+  </p:clrMapOvr>
+</p:notes>
+</file>
+
+<file path=ppt/notesSlides/notesSlide8.xml><?xml version="1.0" encoding="utf-8"?>
+<p:notes xmlns:a="http://schemas.openxmlformats.org/drawingml/2006/main" xmlns:r="http://schemas.openxmlformats.org/officeDocument/2006/relationships" xmlns:p="http://schemas.openxmlformats.org/presentationml/2006/main">
+  <p:cSld>
+    <p:spTree>
+      <p:nvGrpSpPr>
+        <p:cNvPr id="1" name=""/>
+        <p:cNvGrpSpPr/>
+        <p:nvPr/>
+      </p:nvGrpSpPr>
+      <p:grpSpPr>
+        <a:xfrm>
+          <a:off x="0" y="0"/>
+          <a:ext cx="0" cy="0"/>
+          <a:chOff x="0" y="0"/>
+          <a:chExt cx="0" cy="0"/>
+        </a:xfrm>
+      </p:grpSpPr>
+      <p:sp>
+        <p:nvSpPr>
+          <p:cNvPr id="2" name="슬라이드 이미지 개체 틀 1"/>
+          <p:cNvSpPr>
+            <a:spLocks noGrp="1" noRot="1" noChangeAspect="1"/>
+          </p:cNvSpPr>
+          <p:nvPr>
+            <p:ph type="sldImg"/>
+          </p:nvPr>
+        </p:nvSpPr>
+        <p:spPr/>
+      </p:sp>
+      <p:sp>
+        <p:nvSpPr>
+          <p:cNvPr id="3" name="슬라이드 노트 개체 틀 2"/>
+          <p:cNvSpPr>
+            <a:spLocks noGrp="1"/>
+          </p:cNvSpPr>
+          <p:nvPr>
+            <p:ph type="body" idx="1"/>
+          </p:nvPr>
+        </p:nvSpPr>
+        <p:spPr/>
+        <p:txBody>
+          <a:bodyPr/>
+          <a:lstStyle/>
+          <a:p>
+            <a:endParaRPr lang="ko-KR" altLang="en-US"/>
+          </a:p>
+        </p:txBody>
+      </p:sp>
+      <p:sp>
+        <p:nvSpPr>
+          <p:cNvPr id="4" name="슬라이드 번호 개체 틀 3"/>
+          <p:cNvSpPr>
+            <a:spLocks noGrp="1"/>
+          </p:cNvSpPr>
+          <p:nvPr>
+            <p:ph type="sldNum" sz="quarter" idx="10"/>
+          </p:nvPr>
+        </p:nvSpPr>
+        <p:spPr/>
+        <p:txBody>
+          <a:bodyPr/>
+          <a:lstStyle/>
+          <a:p>
+            <a:fld id="{67D67DDE-CA0F-4277-86BB-1ACF1F4DDD02}" type="slidenum">
+              <a:rPr lang="ko-KR" altLang="en-US" smtClean="0"/>
+              <a:t>10</a:t>
+            </a:fld>
+            <a:endParaRPr lang="ko-KR" altLang="en-US"/>
+          </a:p>
+        </p:txBody>
+      </p:sp>
+    </p:spTree>
+    <p:extLst>
+      <p:ext uri="{BB962C8B-B14F-4D97-AF65-F5344CB8AC3E}">
+        <p14:creationId xmlns:p14="http://schemas.microsoft.com/office/powerpoint/2010/main" val="834254289"/>
+      </p:ext>
+    </p:extLst>
+  </p:cSld>
+  <p:clrMapOvr>
+    <a:masterClrMapping/>
+  </p:clrMapOvr>
+</p:notes>
+</file>
+
 <file path=ppt/slideLayouts/slideLayout1.xml><?xml version="1.0" encoding="utf-8"?>
 <p:sldLayout xmlns:a="http://schemas.openxmlformats.org/drawingml/2006/main" xmlns:r="http://schemas.openxmlformats.org/officeDocument/2006/relationships" xmlns:p="http://schemas.openxmlformats.org/presentationml/2006/main" preserve="1" userDrawn="1">
   <p:cSld name="1_제목 슬라이드">
@@ -4982,7 +5322,7 @@
   </p:clrMapOvr>
   <p:extLst>
     <p:ext uri="{DCECCB84-F9BA-43D5-87BE-67443E8EF086}">
-      <p15:sldGuideLst xmlns:p15="http://schemas.microsoft.com/office/powerpoint/2012/main" xmlns="">
+      <p15:sldGuideLst xmlns="" xmlns:p15="http://schemas.microsoft.com/office/powerpoint/2012/main">
         <p15:guide id="4294967295" orient="horz" pos="2160">
           <p15:clr>
             <a:srgbClr val="FBAE40"/>
@@ -5127,7 +5467,7 @@
   </p:clrMapOvr>
   <p:extLst>
     <p:ext uri="{DCECCB84-F9BA-43D5-87BE-67443E8EF086}">
-      <p15:sldGuideLst xmlns:p15="http://schemas.microsoft.com/office/powerpoint/2012/main" xmlns="">
+      <p15:sldGuideLst xmlns="" xmlns:p15="http://schemas.microsoft.com/office/powerpoint/2012/main">
         <p15:guide id="1" orient="horz" pos="2160" userDrawn="1">
           <p15:clr>
             <a:srgbClr val="FBAE40"/>
@@ -5272,7 +5612,7 @@
   </p:clrMapOvr>
   <p:extLst>
     <p:ext uri="{DCECCB84-F9BA-43D5-87BE-67443E8EF086}">
-      <p15:sldGuideLst xmlns:p15="http://schemas.microsoft.com/office/powerpoint/2012/main" xmlns="">
+      <p15:sldGuideLst xmlns="" xmlns:p15="http://schemas.microsoft.com/office/powerpoint/2012/main">
         <p15:guide id="4294967295" orient="horz" pos="2160">
           <p15:clr>
             <a:srgbClr val="FBAE40"/>
@@ -5538,7 +5878,7 @@
   </p:clrMapOvr>
   <p:extLst>
     <p:ext uri="{DCECCB84-F9BA-43D5-87BE-67443E8EF086}">
-      <p15:sldGuideLst xmlns:p15="http://schemas.microsoft.com/office/powerpoint/2012/main" xmlns="">
+      <p15:sldGuideLst xmlns="" xmlns:p15="http://schemas.microsoft.com/office/powerpoint/2012/main">
         <p15:guide id="4294967295" orient="horz" pos="2160">
           <p15:clr>
             <a:srgbClr val="FBAE40"/>
@@ -5980,7 +6320,7 @@
   </p:clrMapOvr>
   <p:extLst>
     <p:ext uri="{DCECCB84-F9BA-43D5-87BE-67443E8EF086}">
-      <p15:sldGuideLst xmlns:p15="http://schemas.microsoft.com/office/powerpoint/2012/main" xmlns="">
+      <p15:sldGuideLst xmlns="" xmlns:p15="http://schemas.microsoft.com/office/powerpoint/2012/main">
         <p15:guide id="1" orient="horz" pos="2160" userDrawn="1">
           <p15:clr>
             <a:srgbClr val="FBAE40"/>
@@ -6532,7 +6872,7 @@
   </p:clrMapOvr>
   <p:extLst>
     <p:ext uri="{DCECCB84-F9BA-43D5-87BE-67443E8EF086}">
-      <p15:sldGuideLst xmlns:p15="http://schemas.microsoft.com/office/powerpoint/2012/main" xmlns="">
+      <p15:sldGuideLst xmlns="" xmlns:p15="http://schemas.microsoft.com/office/powerpoint/2012/main">
         <p15:guide id="4294967295" orient="horz" pos="2160">
           <p15:clr>
             <a:srgbClr val="FBAE40"/>
@@ -7752,6 +8092,649 @@
             </p:seq>
           </p:childTnLst>
         </p:cTn>
+      </p:par>
+    </p:tnLst>
+  </p:timing>
+</p:sld>
+</file>
+
+<file path=ppt/slides/slide10.xml><?xml version="1.0" encoding="utf-8"?>
+<p:sld xmlns:a="http://schemas.openxmlformats.org/drawingml/2006/main" xmlns:r="http://schemas.openxmlformats.org/officeDocument/2006/relationships" xmlns:p="http://schemas.openxmlformats.org/presentationml/2006/main">
+  <p:cSld>
+    <p:spTree>
+      <p:nvGrpSpPr>
+        <p:cNvPr id="1" name=""/>
+        <p:cNvGrpSpPr/>
+        <p:nvPr/>
+      </p:nvGrpSpPr>
+      <p:grpSpPr>
+        <a:xfrm>
+          <a:off x="0" y="0"/>
+          <a:ext cx="0" cy="0"/>
+          <a:chOff x="0" y="0"/>
+          <a:chExt cx="0" cy="0"/>
+        </a:xfrm>
+      </p:grpSpPr>
+      <p:sp>
+        <p:nvSpPr>
+          <p:cNvPr id="28" name="제목 5"/>
+          <p:cNvSpPr txBox="1">
+            <a:spLocks/>
+          </p:cNvSpPr>
+          <p:nvPr/>
+        </p:nvSpPr>
+        <p:spPr>
+          <a:xfrm>
+            <a:off x="-18594" y="-24566"/>
+            <a:ext cx="9162594" cy="504055"/>
+          </a:xfrm>
+          <a:prstGeom prst="rect">
+            <a:avLst/>
+          </a:prstGeom>
+          <a:solidFill>
+            <a:srgbClr val="4949E7"/>
+          </a:solidFill>
+          <a:ln w="38100">
+            <a:solidFill>
+              <a:srgbClr val="4949E7"/>
+            </a:solidFill>
+          </a:ln>
+        </p:spPr>
+        <p:txBody>
+          <a:bodyPr vert="horz" lIns="72000" tIns="45720" rIns="72000" bIns="45720" rtlCol="0" anchor="ctr">
+            <a:normAutofit fontScale="62500" lnSpcReduction="20000"/>
+          </a:bodyPr>
+          <a:lstStyle>
+            <a:lvl1pPr algn="dist" defTabSz="914400" rtl="0" eaLnBrk="1" latinLnBrk="1" hangingPunct="1">
+              <a:lnSpc>
+                <a:spcPct val="150000"/>
+              </a:lnSpc>
+              <a:spcBef>
+                <a:spcPct val="0"/>
+              </a:spcBef>
+              <a:buNone/>
+              <a:defRPr sz="3200" b="1" kern="1200">
+                <a:ln>
+                  <a:solidFill>
+                    <a:schemeClr val="accent1">
+                      <a:alpha val="0"/>
+                    </a:schemeClr>
+                  </a:solidFill>
+                </a:ln>
+                <a:solidFill>
+                  <a:schemeClr val="bg1"/>
+                </a:solidFill>
+                <a:latin typeface="+mj-lt"/>
+                <a:ea typeface="+mj-ea"/>
+                <a:cs typeface="+mj-cs"/>
+              </a:defRPr>
+            </a:lvl1pPr>
+          </a:lstStyle>
+          <a:p>
+            <a:pPr fontAlgn="b"/>
+            <a:r>
+              <a:rPr lang="en-US" altLang="ko-KR" sz="1600" dirty="0" smtClean="0"/>
+              <a:t/>
+            </a:r>
+            <a:br>
+              <a:rPr lang="en-US" altLang="ko-KR" sz="1600" dirty="0" smtClean="0"/>
+            </a:br>
+            <a:endParaRPr lang="ko-KR" altLang="en-US" sz="1600" dirty="0">
+              <a:solidFill>
+                <a:srgbClr val="FFC000"/>
+              </a:solidFill>
+            </a:endParaRPr>
+          </a:p>
+        </p:txBody>
+      </p:sp>
+      <p:sp>
+        <p:nvSpPr>
+          <p:cNvPr id="15" name="내용 개체 틀 14"/>
+          <p:cNvSpPr>
+            <a:spLocks noGrp="1"/>
+          </p:cNvSpPr>
+          <p:nvPr>
+            <p:ph idx="1"/>
+          </p:nvPr>
+        </p:nvSpPr>
+        <p:spPr>
+          <a:xfrm>
+            <a:off x="899592" y="1556793"/>
+            <a:ext cx="7380820" cy="576063"/>
+          </a:xfrm>
+          <a:solidFill>
+            <a:schemeClr val="bg1"/>
+          </a:solidFill>
+        </p:spPr>
+        <p:txBody>
+          <a:bodyPr anchor="ctr">
+            <a:normAutofit/>
+          </a:bodyPr>
+          <a:lstStyle/>
+          <a:p>
+            <a:pPr marL="285750" indent="-285750" algn="l">
+              <a:buFont typeface="Arial" panose="020B0604020202020204" pitchFamily="34" charset="0"/>
+              <a:buChar char="•"/>
+            </a:pPr>
+            <a:r>
+              <a:rPr lang="en-US" altLang="ko-KR" sz="1800" dirty="0">
+                <a:hlinkClick r:id="rId3" action="ppaction://hlinkpres?slideindex=1&amp;slidetitle="/>
+              </a:rPr>
+              <a:t>https://www.youtube.com/watch?v=Co44ltSwC1U</a:t>
+            </a:r>
+            <a:endParaRPr lang="en-US" altLang="ko-KR" sz="1800" dirty="0"/>
+          </a:p>
+        </p:txBody>
+      </p:sp>
+      <p:sp>
+        <p:nvSpPr>
+          <p:cNvPr id="10" name="텍스트 개체 틀 9"/>
+          <p:cNvSpPr>
+            <a:spLocks noGrp="1"/>
+          </p:cNvSpPr>
+          <p:nvPr>
+            <p:ph type="body" sz="quarter" idx="14"/>
+          </p:nvPr>
+        </p:nvSpPr>
+        <p:spPr>
+          <a:xfrm>
+            <a:off x="0" y="599252"/>
+            <a:ext cx="9144000" cy="453484"/>
+          </a:xfrm>
+        </p:spPr>
+        <p:txBody>
+          <a:bodyPr/>
+          <a:lstStyle/>
+          <a:p>
+            <a:pPr algn="ctr"/>
+            <a:r>
+              <a:rPr lang="en-US" altLang="ko-KR" sz="1600" dirty="0" smtClean="0"/>
+              <a:t>YOUTUBE </a:t>
+            </a:r>
+            <a:r>
+              <a:rPr lang="ko-KR" altLang="en-US" sz="1600" dirty="0" smtClean="0"/>
+              <a:t>링크</a:t>
+            </a:r>
+            <a:endParaRPr lang="ko-KR" altLang="en-US" sz="1600" dirty="0"/>
+          </a:p>
+        </p:txBody>
+      </p:sp>
+      <p:sp>
+        <p:nvSpPr>
+          <p:cNvPr id="17" name="슬라이드 번호 개체 틀 16"/>
+          <p:cNvSpPr>
+            <a:spLocks noGrp="1"/>
+          </p:cNvSpPr>
+          <p:nvPr>
+            <p:ph type="sldNum" sz="quarter" idx="12"/>
+          </p:nvPr>
+        </p:nvSpPr>
+        <p:spPr>
+          <a:xfrm>
+            <a:off x="107504" y="1916832"/>
+            <a:ext cx="733140" cy="196131"/>
+          </a:xfrm>
+        </p:spPr>
+        <p:txBody>
+          <a:bodyPr/>
+          <a:lstStyle/>
+          <a:p>
+            <a:r>
+              <a:rPr lang="en-US" altLang="ko-KR" dirty="0"/>
+              <a:t>1</a:t>
+            </a:r>
+            <a:endParaRPr lang="ko-KR" altLang="en-US" dirty="0"/>
+          </a:p>
+        </p:txBody>
+      </p:sp>
+      <p:sp>
+        <p:nvSpPr>
+          <p:cNvPr id="30" name="제목 5"/>
+          <p:cNvSpPr txBox="1">
+            <a:spLocks/>
+          </p:cNvSpPr>
+          <p:nvPr/>
+        </p:nvSpPr>
+        <p:spPr>
+          <a:xfrm>
+            <a:off x="0" y="6424443"/>
+            <a:ext cx="9126082" cy="504055"/>
+          </a:xfrm>
+          <a:prstGeom prst="rect">
+            <a:avLst/>
+          </a:prstGeom>
+          <a:solidFill>
+            <a:srgbClr val="4949E7"/>
+          </a:solidFill>
+          <a:ln w="38100">
+            <a:solidFill>
+              <a:srgbClr val="4949E7"/>
+            </a:solidFill>
+          </a:ln>
+        </p:spPr>
+        <p:txBody>
+          <a:bodyPr vert="horz" lIns="72000" tIns="45720" rIns="72000" bIns="45720" rtlCol="0" anchor="ctr">
+            <a:normAutofit fontScale="62500" lnSpcReduction="20000"/>
+          </a:bodyPr>
+          <a:lstStyle>
+            <a:lvl1pPr algn="dist" defTabSz="914400" rtl="0" eaLnBrk="1" latinLnBrk="1" hangingPunct="1">
+              <a:lnSpc>
+                <a:spcPct val="150000"/>
+              </a:lnSpc>
+              <a:spcBef>
+                <a:spcPct val="0"/>
+              </a:spcBef>
+              <a:buNone/>
+              <a:defRPr sz="3200" b="1" kern="1200">
+                <a:ln>
+                  <a:solidFill>
+                    <a:schemeClr val="accent1">
+                      <a:alpha val="0"/>
+                    </a:schemeClr>
+                  </a:solidFill>
+                </a:ln>
+                <a:solidFill>
+                  <a:schemeClr val="bg1"/>
+                </a:solidFill>
+                <a:latin typeface="+mj-lt"/>
+                <a:ea typeface="+mj-ea"/>
+                <a:cs typeface="+mj-cs"/>
+              </a:defRPr>
+            </a:lvl1pPr>
+          </a:lstStyle>
+          <a:p>
+            <a:pPr fontAlgn="b"/>
+            <a:r>
+              <a:rPr lang="en-US" altLang="ko-KR" sz="1600" dirty="0" smtClean="0"/>
+              <a:t/>
+            </a:r>
+            <a:br>
+              <a:rPr lang="en-US" altLang="ko-KR" sz="1600" dirty="0" smtClean="0"/>
+            </a:br>
+            <a:endParaRPr lang="ko-KR" altLang="en-US" sz="1600" dirty="0">
+              <a:solidFill>
+                <a:srgbClr val="FFC000"/>
+              </a:solidFill>
+            </a:endParaRPr>
+          </a:p>
+        </p:txBody>
+      </p:sp>
+      <p:sp>
+        <p:nvSpPr>
+          <p:cNvPr id="31" name="제목 5"/>
+          <p:cNvSpPr txBox="1">
+            <a:spLocks/>
+          </p:cNvSpPr>
+          <p:nvPr/>
+        </p:nvSpPr>
+        <p:spPr>
+          <a:xfrm>
+            <a:off x="323528" y="6421625"/>
+            <a:ext cx="9088398" cy="535767"/>
+          </a:xfrm>
+          <a:prstGeom prst="rect">
+            <a:avLst/>
+          </a:prstGeom>
+        </p:spPr>
+        <p:txBody>
+          <a:bodyPr vert="horz" lIns="0" tIns="0" rIns="0" bIns="0" rtlCol="0" anchor="ctr">
+            <a:noAutofit/>
+          </a:bodyPr>
+          <a:lstStyle>
+            <a:lvl1pPr algn="ctr" defTabSz="914400" rtl="0" eaLnBrk="1" latinLnBrk="1" hangingPunct="1">
+              <a:lnSpc>
+                <a:spcPct val="90000"/>
+              </a:lnSpc>
+              <a:spcBef>
+                <a:spcPct val="0"/>
+              </a:spcBef>
+              <a:buNone/>
+              <a:defRPr lang="en-US" sz="3200" b="1" kern="1200" spc="600" dirty="0">
+                <a:ln>
+                  <a:solidFill>
+                    <a:schemeClr val="accent1">
+                      <a:alpha val="0"/>
+                    </a:schemeClr>
+                  </a:solidFill>
+                </a:ln>
+                <a:solidFill>
+                  <a:schemeClr val="tx1">
+                    <a:lumMod val="75000"/>
+                    <a:lumOff val="25000"/>
+                  </a:schemeClr>
+                </a:solidFill>
+                <a:latin typeface="+mj-lt"/>
+                <a:ea typeface="+mj-ea"/>
+                <a:cs typeface="+mj-cs"/>
+              </a:defRPr>
+            </a:lvl1pPr>
+          </a:lstStyle>
+          <a:p>
+            <a:pPr algn="l"/>
+            <a:r>
+              <a:rPr lang="ko-KR" altLang="en-US" sz="1800" spc="0" dirty="0" smtClean="0">
+                <a:solidFill>
+                  <a:schemeClr val="bg1"/>
+                </a:solidFill>
+              </a:rPr>
+              <a:t>마이크로프로세서 및 실습</a:t>
+            </a:r>
+            <a:r>
+              <a:rPr lang="en-US" altLang="ko-KR" sz="1800" spc="0" dirty="0" smtClean="0">
+                <a:solidFill>
+                  <a:schemeClr val="bg1"/>
+                </a:solidFill>
+              </a:rPr>
+              <a:t>						</a:t>
+            </a:r>
+            <a:endParaRPr lang="ko-KR" altLang="en-US" sz="1800" spc="0" dirty="0">
+              <a:solidFill>
+                <a:schemeClr val="bg1"/>
+              </a:solidFill>
+            </a:endParaRPr>
+          </a:p>
+        </p:txBody>
+      </p:sp>
+      <p:sp>
+        <p:nvSpPr>
+          <p:cNvPr id="12" name="직사각형 11"/>
+          <p:cNvSpPr/>
+          <p:nvPr/>
+        </p:nvSpPr>
+        <p:spPr>
+          <a:xfrm>
+            <a:off x="485800" y="2122140"/>
+            <a:ext cx="8118648" cy="3827140"/>
+          </a:xfrm>
+          <a:prstGeom prst="rect">
+            <a:avLst/>
+          </a:prstGeom>
+          <a:noFill/>
+          <a:ln w="38100">
+            <a:solidFill>
+              <a:srgbClr val="4949E7"/>
+            </a:solidFill>
+          </a:ln>
+        </p:spPr>
+        <p:style>
+          <a:lnRef idx="2">
+            <a:schemeClr val="accent1">
+              <a:shade val="50000"/>
+            </a:schemeClr>
+          </a:lnRef>
+          <a:fillRef idx="1">
+            <a:schemeClr val="accent1"/>
+          </a:fillRef>
+          <a:effectRef idx="0">
+            <a:schemeClr val="accent1"/>
+          </a:effectRef>
+          <a:fontRef idx="minor">
+            <a:schemeClr val="lt1"/>
+          </a:fontRef>
+        </p:style>
+        <p:txBody>
+          <a:bodyPr rtlCol="0" anchor="ctr"/>
+          <a:lstStyle/>
+          <a:p>
+            <a:pPr algn="ctr"/>
+            <a:endParaRPr lang="ko-KR" altLang="en-US"/>
+          </a:p>
+        </p:txBody>
+      </p:sp>
+      <p:sp>
+        <p:nvSpPr>
+          <p:cNvPr id="35" name="제목 5"/>
+          <p:cNvSpPr txBox="1">
+            <a:spLocks/>
+          </p:cNvSpPr>
+          <p:nvPr/>
+        </p:nvSpPr>
+        <p:spPr>
+          <a:xfrm>
+            <a:off x="280820" y="-27384"/>
+            <a:ext cx="8801877" cy="535767"/>
+          </a:xfrm>
+          <a:prstGeom prst="rect">
+            <a:avLst/>
+          </a:prstGeom>
+        </p:spPr>
+        <p:txBody>
+          <a:bodyPr vert="horz" lIns="0" tIns="0" rIns="0" bIns="0" rtlCol="0" anchor="ctr">
+            <a:noAutofit/>
+          </a:bodyPr>
+          <a:lstStyle>
+            <a:lvl1pPr algn="ctr" defTabSz="914400" rtl="0" eaLnBrk="1" latinLnBrk="1" hangingPunct="1">
+              <a:lnSpc>
+                <a:spcPct val="90000"/>
+              </a:lnSpc>
+              <a:spcBef>
+                <a:spcPct val="0"/>
+              </a:spcBef>
+              <a:buNone/>
+              <a:defRPr lang="en-US" sz="3200" b="1" kern="1200" spc="600" dirty="0">
+                <a:ln>
+                  <a:solidFill>
+                    <a:schemeClr val="accent1">
+                      <a:alpha val="0"/>
+                    </a:schemeClr>
+                  </a:solidFill>
+                </a:ln>
+                <a:solidFill>
+                  <a:schemeClr val="tx1">
+                    <a:lumMod val="75000"/>
+                    <a:lumOff val="25000"/>
+                  </a:schemeClr>
+                </a:solidFill>
+                <a:latin typeface="+mj-lt"/>
+                <a:ea typeface="+mj-ea"/>
+                <a:cs typeface="+mj-cs"/>
+              </a:defRPr>
+            </a:lvl1pPr>
+          </a:lstStyle>
+          <a:p>
+            <a:pPr algn="l"/>
+            <a:r>
+              <a:rPr lang="ko-KR" altLang="en-US" sz="1800" spc="0" dirty="0" smtClean="0">
+                <a:solidFill>
+                  <a:schemeClr val="bg1"/>
+                </a:solidFill>
+              </a:rPr>
+              <a:t>사진 및 영상</a:t>
+            </a:r>
+            <a:r>
+              <a:rPr lang="ko-KR" altLang="en-US" sz="1800" spc="0" dirty="0" smtClean="0">
+                <a:solidFill>
+                  <a:schemeClr val="bg1"/>
+                </a:solidFill>
+              </a:rPr>
+              <a:t>						</a:t>
+            </a:r>
+            <a:r>
+              <a:rPr lang="en-US" altLang="ko-KR" sz="1800" spc="0" dirty="0" smtClean="0">
+                <a:solidFill>
+                  <a:schemeClr val="bg1"/>
+                </a:solidFill>
+              </a:rPr>
+              <a:t>Safe House for Reptile</a:t>
+            </a:r>
+            <a:endParaRPr lang="en-US" altLang="ko-KR" sz="1800" spc="0" dirty="0">
+              <a:solidFill>
+                <a:schemeClr val="bg1"/>
+              </a:solidFill>
+            </a:endParaRPr>
+          </a:p>
+        </p:txBody>
+      </p:sp>
+      <p:pic>
+        <p:nvPicPr>
+          <p:cNvPr id="4098" name="Picture 2"/>
+          <p:cNvPicPr>
+            <a:picLocks noChangeAspect="1" noChangeArrowheads="1"/>
+          </p:cNvPicPr>
+          <p:nvPr/>
+        </p:nvPicPr>
+        <p:blipFill>
+          <a:blip r:embed="rId4">
+            <a:extLst>
+              <a:ext uri="{28A0092B-C50C-407E-A947-70E740481C1C}">
+                <a14:useLocalDpi xmlns:a14="http://schemas.microsoft.com/office/drawing/2010/main" val="0"/>
+              </a:ext>
+            </a:extLst>
+          </a:blip>
+          <a:srcRect/>
+          <a:stretch>
+            <a:fillRect/>
+          </a:stretch>
+        </p:blipFill>
+        <p:spPr bwMode="auto">
+          <a:xfrm>
+            <a:off x="488088" y="2131661"/>
+            <a:ext cx="8116360" cy="4289964"/>
+          </a:xfrm>
+          <a:prstGeom prst="rect">
+            <a:avLst/>
+          </a:prstGeom>
+          <a:noFill/>
+          <a:ln>
+            <a:noFill/>
+          </a:ln>
+          <a:extLst>
+            <a:ext uri="{909E8E84-426E-40DD-AFC4-6F175D3DCCD1}">
+              <a14:hiddenFill xmlns:a14="http://schemas.microsoft.com/office/drawing/2010/main">
+                <a:solidFill>
+                  <a:schemeClr val="accent1"/>
+                </a:solidFill>
+              </a14:hiddenFill>
+            </a:ext>
+            <a:ext uri="{91240B29-F687-4F45-9708-019B960494DF}">
+              <a14:hiddenLine xmlns:a14="http://schemas.microsoft.com/office/drawing/2010/main" w="9525">
+                <a:solidFill>
+                  <a:schemeClr val="tx1"/>
+                </a:solidFill>
+                <a:miter lim="800000"/>
+                <a:headEnd/>
+                <a:tailEnd/>
+              </a14:hiddenLine>
+            </a:ext>
+          </a:extLst>
+        </p:spPr>
+      </p:pic>
+    </p:spTree>
+    <p:extLst>
+      <p:ext uri="{BB962C8B-B14F-4D97-AF65-F5344CB8AC3E}">
+        <p14:creationId xmlns:p14="http://schemas.microsoft.com/office/powerpoint/2010/main" val="1472960953"/>
+      </p:ext>
+    </p:extLst>
+  </p:cSld>
+  <p:clrMapOvr>
+    <a:masterClrMapping/>
+  </p:clrMapOvr>
+  <p:timing>
+    <p:tnLst>
+      <p:par>
+        <p:cTn id="1" dur="indefinite" restart="never" nodeType="tmRoot"/>
+      </p:par>
+    </p:tnLst>
+  </p:timing>
+</p:sld>
+</file>
+
+<file path=ppt/slides/slide11.xml><?xml version="1.0" encoding="utf-8"?>
+<p:sld xmlns:a="http://schemas.openxmlformats.org/drawingml/2006/main" xmlns:r="http://schemas.openxmlformats.org/officeDocument/2006/relationships" xmlns:p="http://schemas.openxmlformats.org/presentationml/2006/main">
+  <p:cSld>
+    <p:spTree>
+      <p:nvGrpSpPr>
+        <p:cNvPr id="1" name=""/>
+        <p:cNvGrpSpPr/>
+        <p:nvPr/>
+      </p:nvGrpSpPr>
+      <p:grpSpPr>
+        <a:xfrm>
+          <a:off x="0" y="0"/>
+          <a:ext cx="0" cy="0"/>
+          <a:chOff x="0" y="0"/>
+          <a:chExt cx="0" cy="0"/>
+        </a:xfrm>
+      </p:grpSpPr>
+      <p:sp>
+        <p:nvSpPr>
+          <p:cNvPr id="2" name="제목 1"/>
+          <p:cNvSpPr>
+            <a:spLocks noGrp="1"/>
+          </p:cNvSpPr>
+          <p:nvPr>
+            <p:ph type="ctrTitle"/>
+          </p:nvPr>
+        </p:nvSpPr>
+        <p:spPr>
+          <a:xfrm>
+            <a:off x="2555776" y="2492896"/>
+            <a:ext cx="4032448" cy="1188720"/>
+          </a:xfrm>
+        </p:spPr>
+        <p:txBody>
+          <a:bodyPr/>
+          <a:lstStyle/>
+          <a:p>
+            <a:r>
+              <a:rPr lang="ko-KR" altLang="en-US" dirty="0" smtClean="0"/>
+              <a:t>감사합니다 </a:t>
+            </a:r>
+            <a:endParaRPr lang="ko-KR" altLang="en-US" dirty="0"/>
+          </a:p>
+        </p:txBody>
+      </p:sp>
+      <p:sp>
+        <p:nvSpPr>
+          <p:cNvPr id="3" name="텍스트 개체 틀 2"/>
+          <p:cNvSpPr>
+            <a:spLocks noGrp="1"/>
+          </p:cNvSpPr>
+          <p:nvPr>
+            <p:ph type="body" sz="quarter" idx="10"/>
+          </p:nvPr>
+        </p:nvSpPr>
+        <p:spPr>
+          <a:xfrm>
+            <a:off x="2555875" y="3951352"/>
+            <a:ext cx="4032250" cy="216173"/>
+          </a:xfrm>
+        </p:spPr>
+        <p:txBody>
+          <a:bodyPr/>
+          <a:lstStyle/>
+          <a:p>
+            <a:r>
+              <a:rPr lang="en-US" altLang="ko-KR" sz="1400" b="1" dirty="0" smtClean="0"/>
+              <a:t>2013136082</a:t>
+            </a:r>
+          </a:p>
+          <a:p>
+            <a:r>
+              <a:rPr lang="ko-KR" altLang="en-US" sz="1400" b="1" dirty="0" smtClean="0"/>
+              <a:t>이상</a:t>
+            </a:r>
+            <a:r>
+              <a:rPr lang="ko-KR" altLang="en-US" sz="1400" b="1" dirty="0"/>
+              <a:t>욱</a:t>
+            </a:r>
+          </a:p>
+        </p:txBody>
+      </p:sp>
+    </p:spTree>
+    <p:extLst>
+      <p:ext uri="{BB962C8B-B14F-4D97-AF65-F5344CB8AC3E}">
+        <p14:creationId xmlns:p14="http://schemas.microsoft.com/office/powerpoint/2010/main" val="1675822609"/>
+      </p:ext>
+    </p:extLst>
+  </p:cSld>
+  <p:clrMapOvr>
+    <a:masterClrMapping/>
+  </p:clrMapOvr>
+  <p:timing>
+    <p:tnLst>
+      <p:par>
+        <p:cTn id="1" dur="indefinite" restart="never" nodeType="tmRoot"/>
       </p:par>
     </p:tnLst>
   </p:timing>
@@ -11646,7 +12629,7 @@
                         </a:spcAft>
                       </a:pPr>
                       <a:r>
-                        <a:rPr lang="ko-KR" altLang="en-US" sz="1400" kern="0" spc="0">
+                        <a:rPr lang="ko-KR" altLang="en-US" sz="1400" kern="0" spc="0" dirty="0">
                           <a:solidFill>
                             <a:srgbClr val="000000"/>
                           </a:solidFill>
@@ -11655,7 +12638,7 @@
                         </a:rPr>
                         <a:t>꺼짐</a:t>
                       </a:r>
-                      <a:endParaRPr lang="ko-KR" altLang="en-US" sz="1400" kern="0" spc="0">
+                      <a:endParaRPr lang="ko-KR" altLang="en-US" sz="1400" kern="0" spc="0" dirty="0">
                         <a:solidFill>
                           <a:srgbClr val="000000"/>
                         </a:solidFill>
@@ -11719,7 +12702,7 @@
                         </a:spcAft>
                       </a:pPr>
                       <a:r>
-                        <a:rPr lang="ko-KR" altLang="en-US" sz="1400" kern="0" spc="0">
+                        <a:rPr lang="ko-KR" altLang="en-US" sz="1400" kern="0" spc="0" dirty="0">
                           <a:solidFill>
                             <a:srgbClr val="000000"/>
                           </a:solidFill>
@@ -11728,7 +12711,7 @@
                         </a:rPr>
                         <a:t>꺼짐</a:t>
                       </a:r>
-                      <a:endParaRPr lang="ko-KR" altLang="en-US" sz="1400" kern="0" spc="0">
+                      <a:endParaRPr lang="ko-KR" altLang="en-US" sz="1400" kern="0" spc="0" dirty="0">
                         <a:solidFill>
                           <a:srgbClr val="000000"/>
                         </a:solidFill>
@@ -11794,7 +12777,7 @@
                         </a:spcAft>
                       </a:pPr>
                       <a:r>
-                        <a:rPr lang="ko-KR" altLang="en-US" sz="1400" b="1" kern="0" spc="0">
+                        <a:rPr lang="ko-KR" altLang="en-US" sz="1400" b="1" kern="0" spc="0" dirty="0">
                           <a:solidFill>
                             <a:srgbClr val="000000"/>
                           </a:solidFill>
@@ -11803,7 +12786,7 @@
                         </a:rPr>
                         <a:t>고온 건조</a:t>
                       </a:r>
-                      <a:endParaRPr lang="ko-KR" altLang="en-US" sz="1400" kern="0" spc="0">
+                      <a:endParaRPr lang="ko-KR" altLang="en-US" sz="1400" kern="0" spc="0" dirty="0">
                         <a:solidFill>
                           <a:srgbClr val="000000"/>
                         </a:solidFill>
@@ -12016,7 +12999,7 @@
                         </a:spcAft>
                       </a:pPr>
                       <a:r>
-                        <a:rPr lang="ko-KR" altLang="en-US" sz="1400" b="1" kern="0" spc="0">
+                        <a:rPr lang="ko-KR" altLang="en-US" sz="1400" b="1" kern="0" spc="0" dirty="0">
                           <a:solidFill>
                             <a:srgbClr val="BD3D3D"/>
                           </a:solidFill>
@@ -12025,7 +13008,7 @@
                         </a:rPr>
                         <a:t>작동</a:t>
                       </a:r>
-                      <a:endParaRPr lang="ko-KR" altLang="en-US" sz="1400" kern="0" spc="0">
+                      <a:endParaRPr lang="ko-KR" altLang="en-US" sz="1400" kern="0" spc="0" dirty="0">
                         <a:solidFill>
                           <a:srgbClr val="000000"/>
                         </a:solidFill>
@@ -12091,7 +13074,7 @@
                         </a:spcAft>
                       </a:pPr>
                       <a:r>
-                        <a:rPr lang="ko-KR" altLang="en-US" sz="1400" b="1" kern="0" spc="0">
+                        <a:rPr lang="ko-KR" altLang="en-US" sz="1400" b="1" kern="0" spc="0" dirty="0">
                           <a:solidFill>
                             <a:srgbClr val="000000"/>
                           </a:solidFill>
@@ -12100,7 +13083,7 @@
                         </a:rPr>
                         <a:t>저온 다습</a:t>
                       </a:r>
-                      <a:endParaRPr lang="ko-KR" altLang="en-US" sz="1400" kern="0" spc="0">
+                      <a:endParaRPr lang="ko-KR" altLang="en-US" sz="1400" kern="0" spc="0" dirty="0">
                         <a:solidFill>
                           <a:srgbClr val="000000"/>
                         </a:solidFill>
@@ -12167,7 +13150,7 @@
                         </a:spcAft>
                       </a:pPr>
                       <a:r>
-                        <a:rPr lang="ko-KR" altLang="en-US" sz="1400" kern="0" spc="0">
+                        <a:rPr lang="ko-KR" altLang="en-US" sz="1400" kern="0" spc="0" dirty="0">
                           <a:solidFill>
                             <a:srgbClr val="000000"/>
                           </a:solidFill>
@@ -12176,7 +13159,7 @@
                         </a:rPr>
                         <a:t>꺼짐</a:t>
                       </a:r>
-                      <a:endParaRPr lang="ko-KR" altLang="en-US" sz="1400" kern="0" spc="0">
+                      <a:endParaRPr lang="ko-KR" altLang="en-US" sz="1400" kern="0" spc="0" dirty="0">
                         <a:solidFill>
                           <a:srgbClr val="000000"/>
                         </a:solidFill>
@@ -12464,7 +13447,7 @@
                         </a:spcAft>
                       </a:pPr>
                       <a:r>
-                        <a:rPr lang="ko-KR" altLang="en-US" sz="1400" kern="0" spc="0">
+                        <a:rPr lang="ko-KR" altLang="en-US" sz="1400" kern="0" spc="0" dirty="0">
                           <a:solidFill>
                             <a:srgbClr val="000000"/>
                           </a:solidFill>
@@ -12473,7 +13456,7 @@
                         </a:rPr>
                         <a:t>꺼짐</a:t>
                       </a:r>
-                      <a:endParaRPr lang="ko-KR" altLang="en-US" sz="1400" kern="0" spc="0">
+                      <a:endParaRPr lang="ko-KR" altLang="en-US" sz="1400" kern="0" spc="0" dirty="0">
                         <a:solidFill>
                           <a:srgbClr val="000000"/>
                         </a:solidFill>
@@ -12537,7 +13520,7 @@
                         </a:spcAft>
                       </a:pPr>
                       <a:r>
-                        <a:rPr lang="ko-KR" altLang="en-US" sz="1400" b="1" kern="0" spc="0">
+                        <a:rPr lang="ko-KR" altLang="en-US" sz="1400" b="1" kern="0" spc="0" dirty="0">
                           <a:solidFill>
                             <a:srgbClr val="BD3D3D"/>
                           </a:solidFill>
@@ -12546,7 +13529,7 @@
                         </a:rPr>
                         <a:t>작동</a:t>
                       </a:r>
-                      <a:endParaRPr lang="ko-KR" altLang="en-US" sz="1400" kern="0" spc="0">
+                      <a:endParaRPr lang="ko-KR" altLang="en-US" sz="1400" kern="0" spc="0" dirty="0">
                         <a:solidFill>
                           <a:srgbClr val="000000"/>
                         </a:solidFill>
@@ -14391,46 +15374,156 @@
       </p:grpSpPr>
       <p:sp>
         <p:nvSpPr>
-          <p:cNvPr id="2" name="제목 1"/>
+          <p:cNvPr id="28" name="제목 5"/>
+          <p:cNvSpPr txBox="1">
+            <a:spLocks/>
+          </p:cNvSpPr>
+          <p:nvPr/>
+        </p:nvSpPr>
+        <p:spPr>
+          <a:xfrm>
+            <a:off x="-18594" y="-24566"/>
+            <a:ext cx="9162594" cy="504055"/>
+          </a:xfrm>
+          <a:prstGeom prst="rect">
+            <a:avLst/>
+          </a:prstGeom>
+          <a:solidFill>
+            <a:srgbClr val="4949E7"/>
+          </a:solidFill>
+          <a:ln w="38100">
+            <a:solidFill>
+              <a:srgbClr val="4949E7"/>
+            </a:solidFill>
+          </a:ln>
+        </p:spPr>
+        <p:txBody>
+          <a:bodyPr vert="horz" lIns="72000" tIns="45720" rIns="72000" bIns="45720" rtlCol="0" anchor="ctr">
+            <a:normAutofit fontScale="62500" lnSpcReduction="20000"/>
+          </a:bodyPr>
+          <a:lstStyle>
+            <a:lvl1pPr algn="dist" defTabSz="914400" rtl="0" eaLnBrk="1" latinLnBrk="1" hangingPunct="1">
+              <a:lnSpc>
+                <a:spcPct val="150000"/>
+              </a:lnSpc>
+              <a:spcBef>
+                <a:spcPct val="0"/>
+              </a:spcBef>
+              <a:buNone/>
+              <a:defRPr sz="3200" b="1" kern="1200">
+                <a:ln>
+                  <a:solidFill>
+                    <a:schemeClr val="accent1">
+                      <a:alpha val="0"/>
+                    </a:schemeClr>
+                  </a:solidFill>
+                </a:ln>
+                <a:solidFill>
+                  <a:schemeClr val="bg1"/>
+                </a:solidFill>
+                <a:latin typeface="+mj-lt"/>
+                <a:ea typeface="+mj-ea"/>
+                <a:cs typeface="+mj-cs"/>
+              </a:defRPr>
+            </a:lvl1pPr>
+          </a:lstStyle>
+          <a:p>
+            <a:pPr fontAlgn="b"/>
+            <a:r>
+              <a:rPr lang="en-US" altLang="ko-KR" sz="1600" dirty="0" smtClean="0"/>
+              <a:t/>
+            </a:r>
+            <a:br>
+              <a:rPr lang="en-US" altLang="ko-KR" sz="1600" dirty="0" smtClean="0"/>
+            </a:br>
+            <a:endParaRPr lang="ko-KR" altLang="en-US" sz="1600" dirty="0">
+              <a:solidFill>
+                <a:srgbClr val="FFC000"/>
+              </a:solidFill>
+            </a:endParaRPr>
+          </a:p>
+        </p:txBody>
+      </p:sp>
+      <p:sp>
+        <p:nvSpPr>
+          <p:cNvPr id="15" name="내용 개체 틀 14"/>
           <p:cNvSpPr>
             <a:spLocks noGrp="1"/>
           </p:cNvSpPr>
           <p:nvPr>
-            <p:ph type="ctrTitle"/>
+            <p:ph idx="1"/>
           </p:nvPr>
         </p:nvSpPr>
         <p:spPr>
           <a:xfrm>
-            <a:off x="2555776" y="2492896"/>
-            <a:ext cx="4032448" cy="1188720"/>
+            <a:off x="899592" y="1556793"/>
+            <a:ext cx="7380820" cy="576063"/>
+          </a:xfrm>
+          <a:solidFill>
+            <a:schemeClr val="bg1"/>
+          </a:solidFill>
+        </p:spPr>
+        <p:txBody>
+          <a:bodyPr anchor="ctr">
+            <a:normAutofit/>
+          </a:bodyPr>
+          <a:lstStyle/>
+          <a:p>
+            <a:pPr marL="285750" indent="-285750" algn="l">
+              <a:buFont typeface="Arial" panose="020B0604020202020204" pitchFamily="34" charset="0"/>
+              <a:buChar char="•"/>
+            </a:pPr>
+            <a:r>
+              <a:rPr lang="ko-KR" altLang="en-US" sz="1800" dirty="0" smtClean="0"/>
+              <a:t>사육장 내 환경에 따른 기기의 반응</a:t>
+            </a:r>
+            <a:endParaRPr lang="en-US" altLang="ko-KR" sz="1800" dirty="0"/>
+          </a:p>
+        </p:txBody>
+      </p:sp>
+      <p:sp>
+        <p:nvSpPr>
+          <p:cNvPr id="10" name="텍스트 개체 틀 9"/>
+          <p:cNvSpPr>
+            <a:spLocks noGrp="1"/>
+          </p:cNvSpPr>
+          <p:nvPr>
+            <p:ph type="body" sz="quarter" idx="14"/>
+          </p:nvPr>
+        </p:nvSpPr>
+        <p:spPr>
+          <a:xfrm>
+            <a:off x="0" y="599252"/>
+            <a:ext cx="9144000" cy="453484"/>
           </a:xfrm>
         </p:spPr>
         <p:txBody>
           <a:bodyPr/>
           <a:lstStyle/>
           <a:p>
-            <a:r>
-              <a:rPr lang="ko-KR" altLang="en-US" dirty="0" smtClean="0"/>
-              <a:t>감사합니다 </a:t>
-            </a:r>
-            <a:endParaRPr lang="ko-KR" altLang="en-US" dirty="0"/>
+            <a:pPr algn="ctr"/>
+            <a:r>
+              <a:rPr lang="ko-KR" altLang="en-US" sz="1600" dirty="0" smtClean="0"/>
+              <a:t>완성 사진</a:t>
+            </a:r>
+            <a:endParaRPr lang="ko-KR" altLang="en-US" sz="1600" dirty="0"/>
           </a:p>
         </p:txBody>
       </p:sp>
       <p:sp>
         <p:nvSpPr>
-          <p:cNvPr id="3" name="텍스트 개체 틀 2"/>
+          <p:cNvPr id="17" name="슬라이드 번호 개체 틀 16"/>
           <p:cNvSpPr>
             <a:spLocks noGrp="1"/>
           </p:cNvSpPr>
           <p:nvPr>
-            <p:ph type="body" sz="quarter" idx="10"/>
+            <p:ph type="sldNum" sz="quarter" idx="12"/>
           </p:nvPr>
         </p:nvSpPr>
         <p:spPr>
           <a:xfrm>
-            <a:off x="2555875" y="3951352"/>
-            <a:ext cx="4032250" cy="216173"/>
+            <a:off x="107504" y="1916832"/>
+            <a:ext cx="733140" cy="196131"/>
           </a:xfrm>
         </p:spPr>
         <p:txBody>
@@ -14438,26 +15531,1465 @@
           <a:lstStyle/>
           <a:p>
             <a:r>
-              <a:rPr lang="en-US" altLang="ko-KR" sz="1400" b="1" dirty="0" smtClean="0"/>
-              <a:t>2013136082</a:t>
-            </a:r>
-          </a:p>
-          <a:p>
-            <a:r>
-              <a:rPr lang="ko-KR" altLang="en-US" sz="1400" b="1" dirty="0" smtClean="0"/>
-              <a:t>이상</a:t>
-            </a:r>
-            <a:r>
-              <a:rPr lang="ko-KR" altLang="en-US" sz="1400" b="1" dirty="0"/>
-              <a:t>욱</a:t>
-            </a:r>
+              <a:rPr lang="en-US" altLang="ko-KR" dirty="0"/>
+              <a:t>1</a:t>
+            </a:r>
+            <a:endParaRPr lang="ko-KR" altLang="en-US" dirty="0"/>
           </a:p>
         </p:txBody>
       </p:sp>
+      <p:sp>
+        <p:nvSpPr>
+          <p:cNvPr id="30" name="제목 5"/>
+          <p:cNvSpPr txBox="1">
+            <a:spLocks/>
+          </p:cNvSpPr>
+          <p:nvPr/>
+        </p:nvSpPr>
+        <p:spPr>
+          <a:xfrm>
+            <a:off x="0" y="6424443"/>
+            <a:ext cx="9126082" cy="504055"/>
+          </a:xfrm>
+          <a:prstGeom prst="rect">
+            <a:avLst/>
+          </a:prstGeom>
+          <a:solidFill>
+            <a:srgbClr val="4949E7"/>
+          </a:solidFill>
+          <a:ln w="38100">
+            <a:solidFill>
+              <a:srgbClr val="4949E7"/>
+            </a:solidFill>
+          </a:ln>
+        </p:spPr>
+        <p:txBody>
+          <a:bodyPr vert="horz" lIns="72000" tIns="45720" rIns="72000" bIns="45720" rtlCol="0" anchor="ctr">
+            <a:normAutofit fontScale="62500" lnSpcReduction="20000"/>
+          </a:bodyPr>
+          <a:lstStyle>
+            <a:lvl1pPr algn="dist" defTabSz="914400" rtl="0" eaLnBrk="1" latinLnBrk="1" hangingPunct="1">
+              <a:lnSpc>
+                <a:spcPct val="150000"/>
+              </a:lnSpc>
+              <a:spcBef>
+                <a:spcPct val="0"/>
+              </a:spcBef>
+              <a:buNone/>
+              <a:defRPr sz="3200" b="1" kern="1200">
+                <a:ln>
+                  <a:solidFill>
+                    <a:schemeClr val="accent1">
+                      <a:alpha val="0"/>
+                    </a:schemeClr>
+                  </a:solidFill>
+                </a:ln>
+                <a:solidFill>
+                  <a:schemeClr val="bg1"/>
+                </a:solidFill>
+                <a:latin typeface="+mj-lt"/>
+                <a:ea typeface="+mj-ea"/>
+                <a:cs typeface="+mj-cs"/>
+              </a:defRPr>
+            </a:lvl1pPr>
+          </a:lstStyle>
+          <a:p>
+            <a:pPr fontAlgn="b"/>
+            <a:r>
+              <a:rPr lang="en-US" altLang="ko-KR" sz="1600" dirty="0" smtClean="0"/>
+              <a:t/>
+            </a:r>
+            <a:br>
+              <a:rPr lang="en-US" altLang="ko-KR" sz="1600" dirty="0" smtClean="0"/>
+            </a:br>
+            <a:endParaRPr lang="ko-KR" altLang="en-US" sz="1600" dirty="0">
+              <a:solidFill>
+                <a:srgbClr val="FFC000"/>
+              </a:solidFill>
+            </a:endParaRPr>
+          </a:p>
+        </p:txBody>
+      </p:sp>
+      <p:sp>
+        <p:nvSpPr>
+          <p:cNvPr id="31" name="제목 5"/>
+          <p:cNvSpPr txBox="1">
+            <a:spLocks/>
+          </p:cNvSpPr>
+          <p:nvPr/>
+        </p:nvSpPr>
+        <p:spPr>
+          <a:xfrm>
+            <a:off x="323528" y="6421625"/>
+            <a:ext cx="9088398" cy="535767"/>
+          </a:xfrm>
+          <a:prstGeom prst="rect">
+            <a:avLst/>
+          </a:prstGeom>
+        </p:spPr>
+        <p:txBody>
+          <a:bodyPr vert="horz" lIns="0" tIns="0" rIns="0" bIns="0" rtlCol="0" anchor="ctr">
+            <a:noAutofit/>
+          </a:bodyPr>
+          <a:lstStyle>
+            <a:lvl1pPr algn="ctr" defTabSz="914400" rtl="0" eaLnBrk="1" latinLnBrk="1" hangingPunct="1">
+              <a:lnSpc>
+                <a:spcPct val="90000"/>
+              </a:lnSpc>
+              <a:spcBef>
+                <a:spcPct val="0"/>
+              </a:spcBef>
+              <a:buNone/>
+              <a:defRPr lang="en-US" sz="3200" b="1" kern="1200" spc="600" dirty="0">
+                <a:ln>
+                  <a:solidFill>
+                    <a:schemeClr val="accent1">
+                      <a:alpha val="0"/>
+                    </a:schemeClr>
+                  </a:solidFill>
+                </a:ln>
+                <a:solidFill>
+                  <a:schemeClr val="tx1">
+                    <a:lumMod val="75000"/>
+                    <a:lumOff val="25000"/>
+                  </a:schemeClr>
+                </a:solidFill>
+                <a:latin typeface="+mj-lt"/>
+                <a:ea typeface="+mj-ea"/>
+                <a:cs typeface="+mj-cs"/>
+              </a:defRPr>
+            </a:lvl1pPr>
+          </a:lstStyle>
+          <a:p>
+            <a:pPr algn="l"/>
+            <a:r>
+              <a:rPr lang="ko-KR" altLang="en-US" sz="1800" spc="0" dirty="0" smtClean="0">
+                <a:solidFill>
+                  <a:schemeClr val="bg1"/>
+                </a:solidFill>
+              </a:rPr>
+              <a:t>마이크로프로세서 및 실습</a:t>
+            </a:r>
+            <a:r>
+              <a:rPr lang="en-US" altLang="ko-KR" sz="1800" spc="0" dirty="0" smtClean="0">
+                <a:solidFill>
+                  <a:schemeClr val="bg1"/>
+                </a:solidFill>
+              </a:rPr>
+              <a:t>						</a:t>
+            </a:r>
+            <a:endParaRPr lang="ko-KR" altLang="en-US" sz="1800" spc="0" dirty="0">
+              <a:solidFill>
+                <a:schemeClr val="bg1"/>
+              </a:solidFill>
+            </a:endParaRPr>
+          </a:p>
+        </p:txBody>
+      </p:sp>
+      <p:sp>
+        <p:nvSpPr>
+          <p:cNvPr id="12" name="직사각형 11"/>
+          <p:cNvSpPr/>
+          <p:nvPr/>
+        </p:nvSpPr>
+        <p:spPr>
+          <a:xfrm>
+            <a:off x="485800" y="2122140"/>
+            <a:ext cx="8118648" cy="3827140"/>
+          </a:xfrm>
+          <a:prstGeom prst="rect">
+            <a:avLst/>
+          </a:prstGeom>
+          <a:noFill/>
+          <a:ln w="38100">
+            <a:solidFill>
+              <a:srgbClr val="4949E7"/>
+            </a:solidFill>
+          </a:ln>
+        </p:spPr>
+        <p:style>
+          <a:lnRef idx="2">
+            <a:schemeClr val="accent1">
+              <a:shade val="50000"/>
+            </a:schemeClr>
+          </a:lnRef>
+          <a:fillRef idx="1">
+            <a:schemeClr val="accent1"/>
+          </a:fillRef>
+          <a:effectRef idx="0">
+            <a:schemeClr val="accent1"/>
+          </a:effectRef>
+          <a:fontRef idx="minor">
+            <a:schemeClr val="lt1"/>
+          </a:fontRef>
+        </p:style>
+        <p:txBody>
+          <a:bodyPr rtlCol="0" anchor="ctr"/>
+          <a:lstStyle/>
+          <a:p>
+            <a:pPr algn="ctr"/>
+            <a:endParaRPr lang="ko-KR" altLang="en-US"/>
+          </a:p>
+        </p:txBody>
+      </p:sp>
+      <p:sp>
+        <p:nvSpPr>
+          <p:cNvPr id="35" name="제목 5"/>
+          <p:cNvSpPr txBox="1">
+            <a:spLocks/>
+          </p:cNvSpPr>
+          <p:nvPr/>
+        </p:nvSpPr>
+        <p:spPr>
+          <a:xfrm>
+            <a:off x="280820" y="-27384"/>
+            <a:ext cx="8801877" cy="535767"/>
+          </a:xfrm>
+          <a:prstGeom prst="rect">
+            <a:avLst/>
+          </a:prstGeom>
+        </p:spPr>
+        <p:txBody>
+          <a:bodyPr vert="horz" lIns="0" tIns="0" rIns="0" bIns="0" rtlCol="0" anchor="ctr">
+            <a:noAutofit/>
+          </a:bodyPr>
+          <a:lstStyle>
+            <a:lvl1pPr algn="ctr" defTabSz="914400" rtl="0" eaLnBrk="1" latinLnBrk="1" hangingPunct="1">
+              <a:lnSpc>
+                <a:spcPct val="90000"/>
+              </a:lnSpc>
+              <a:spcBef>
+                <a:spcPct val="0"/>
+              </a:spcBef>
+              <a:buNone/>
+              <a:defRPr lang="en-US" sz="3200" b="1" kern="1200" spc="600" dirty="0">
+                <a:ln>
+                  <a:solidFill>
+                    <a:schemeClr val="accent1">
+                      <a:alpha val="0"/>
+                    </a:schemeClr>
+                  </a:solidFill>
+                </a:ln>
+                <a:solidFill>
+                  <a:schemeClr val="tx1">
+                    <a:lumMod val="75000"/>
+                    <a:lumOff val="25000"/>
+                  </a:schemeClr>
+                </a:solidFill>
+                <a:latin typeface="+mj-lt"/>
+                <a:ea typeface="+mj-ea"/>
+                <a:cs typeface="+mj-cs"/>
+              </a:defRPr>
+            </a:lvl1pPr>
+          </a:lstStyle>
+          <a:p>
+            <a:pPr algn="l"/>
+            <a:r>
+              <a:rPr lang="ko-KR" altLang="en-US" sz="1800" spc="0" dirty="0" smtClean="0">
+                <a:solidFill>
+                  <a:schemeClr val="bg1"/>
+                </a:solidFill>
+              </a:rPr>
+              <a:t>사진 및 영상</a:t>
+            </a:r>
+            <a:r>
+              <a:rPr lang="ko-KR" altLang="en-US" sz="1800" spc="0" dirty="0" smtClean="0">
+                <a:solidFill>
+                  <a:schemeClr val="bg1"/>
+                </a:solidFill>
+              </a:rPr>
+              <a:t>						</a:t>
+            </a:r>
+            <a:r>
+              <a:rPr lang="en-US" altLang="ko-KR" sz="1800" spc="0" dirty="0" smtClean="0">
+                <a:solidFill>
+                  <a:schemeClr val="bg1"/>
+                </a:solidFill>
+              </a:rPr>
+              <a:t>Safe House for Reptile</a:t>
+            </a:r>
+            <a:endParaRPr lang="en-US" altLang="ko-KR" sz="1800" spc="0" dirty="0">
+              <a:solidFill>
+                <a:schemeClr val="bg1"/>
+              </a:solidFill>
+            </a:endParaRPr>
+          </a:p>
+        </p:txBody>
+      </p:sp>
+      <p:pic>
+        <p:nvPicPr>
+          <p:cNvPr id="1026" name="Picture 2"/>
+          <p:cNvPicPr>
+            <a:picLocks noChangeAspect="1" noChangeArrowheads="1"/>
+          </p:cNvPicPr>
+          <p:nvPr/>
+        </p:nvPicPr>
+        <p:blipFill>
+          <a:blip r:embed="rId3">
+            <a:extLst>
+              <a:ext uri="{28A0092B-C50C-407E-A947-70E740481C1C}">
+                <a14:useLocalDpi xmlns:a14="http://schemas.microsoft.com/office/drawing/2010/main" val="0"/>
+              </a:ext>
+            </a:extLst>
+          </a:blip>
+          <a:srcRect/>
+          <a:stretch>
+            <a:fillRect/>
+          </a:stretch>
+        </p:blipFill>
+        <p:spPr bwMode="auto">
+          <a:xfrm>
+            <a:off x="0" y="1556792"/>
+            <a:ext cx="9148898" cy="4867651"/>
+          </a:xfrm>
+          <a:prstGeom prst="rect">
+            <a:avLst/>
+          </a:prstGeom>
+          <a:noFill/>
+          <a:ln>
+            <a:noFill/>
+          </a:ln>
+          <a:extLst>
+            <a:ext uri="{909E8E84-426E-40DD-AFC4-6F175D3DCCD1}">
+              <a14:hiddenFill xmlns:a14="http://schemas.microsoft.com/office/drawing/2010/main">
+                <a:solidFill>
+                  <a:schemeClr val="accent1"/>
+                </a:solidFill>
+              </a14:hiddenFill>
+            </a:ext>
+            <a:ext uri="{91240B29-F687-4F45-9708-019B960494DF}">
+              <a14:hiddenLine xmlns:a14="http://schemas.microsoft.com/office/drawing/2010/main" w="9525">
+                <a:solidFill>
+                  <a:schemeClr val="tx1"/>
+                </a:solidFill>
+                <a:miter lim="800000"/>
+                <a:headEnd/>
+                <a:tailEnd/>
+              </a14:hiddenLine>
+            </a:ext>
+          </a:extLst>
+        </p:spPr>
+      </p:pic>
     </p:spTree>
     <p:extLst>
       <p:ext uri="{BB962C8B-B14F-4D97-AF65-F5344CB8AC3E}">
-        <p14:creationId xmlns:p14="http://schemas.microsoft.com/office/powerpoint/2010/main" val="1675822609"/>
+        <p14:creationId xmlns:p14="http://schemas.microsoft.com/office/powerpoint/2010/main" val="3838824174"/>
+      </p:ext>
+    </p:extLst>
+  </p:cSld>
+  <p:clrMapOvr>
+    <a:masterClrMapping/>
+  </p:clrMapOvr>
+  <p:timing>
+    <p:tnLst>
+      <p:par>
+        <p:cTn id="1" dur="indefinite" restart="never" nodeType="tmRoot"/>
+      </p:par>
+    </p:tnLst>
+  </p:timing>
+</p:sld>
+</file>
+
+<file path=ppt/slides/slide8.xml><?xml version="1.0" encoding="utf-8"?>
+<p:sld xmlns:a="http://schemas.openxmlformats.org/drawingml/2006/main" xmlns:r="http://schemas.openxmlformats.org/officeDocument/2006/relationships" xmlns:p="http://schemas.openxmlformats.org/presentationml/2006/main">
+  <p:cSld>
+    <p:spTree>
+      <p:nvGrpSpPr>
+        <p:cNvPr id="1" name=""/>
+        <p:cNvGrpSpPr/>
+        <p:nvPr/>
+      </p:nvGrpSpPr>
+      <p:grpSpPr>
+        <a:xfrm>
+          <a:off x="0" y="0"/>
+          <a:ext cx="0" cy="0"/>
+          <a:chOff x="0" y="0"/>
+          <a:chExt cx="0" cy="0"/>
+        </a:xfrm>
+      </p:grpSpPr>
+      <p:sp>
+        <p:nvSpPr>
+          <p:cNvPr id="28" name="제목 5"/>
+          <p:cNvSpPr txBox="1">
+            <a:spLocks/>
+          </p:cNvSpPr>
+          <p:nvPr/>
+        </p:nvSpPr>
+        <p:spPr>
+          <a:xfrm>
+            <a:off x="-18594" y="-24566"/>
+            <a:ext cx="9162594" cy="504055"/>
+          </a:xfrm>
+          <a:prstGeom prst="rect">
+            <a:avLst/>
+          </a:prstGeom>
+          <a:solidFill>
+            <a:srgbClr val="4949E7"/>
+          </a:solidFill>
+          <a:ln w="38100">
+            <a:solidFill>
+              <a:srgbClr val="4949E7"/>
+            </a:solidFill>
+          </a:ln>
+        </p:spPr>
+        <p:txBody>
+          <a:bodyPr vert="horz" lIns="72000" tIns="45720" rIns="72000" bIns="45720" rtlCol="0" anchor="ctr">
+            <a:normAutofit fontScale="62500" lnSpcReduction="20000"/>
+          </a:bodyPr>
+          <a:lstStyle>
+            <a:lvl1pPr algn="dist" defTabSz="914400" rtl="0" eaLnBrk="1" latinLnBrk="1" hangingPunct="1">
+              <a:lnSpc>
+                <a:spcPct val="150000"/>
+              </a:lnSpc>
+              <a:spcBef>
+                <a:spcPct val="0"/>
+              </a:spcBef>
+              <a:buNone/>
+              <a:defRPr sz="3200" b="1" kern="1200">
+                <a:ln>
+                  <a:solidFill>
+                    <a:schemeClr val="accent1">
+                      <a:alpha val="0"/>
+                    </a:schemeClr>
+                  </a:solidFill>
+                </a:ln>
+                <a:solidFill>
+                  <a:schemeClr val="bg1"/>
+                </a:solidFill>
+                <a:latin typeface="+mj-lt"/>
+                <a:ea typeface="+mj-ea"/>
+                <a:cs typeface="+mj-cs"/>
+              </a:defRPr>
+            </a:lvl1pPr>
+          </a:lstStyle>
+          <a:p>
+            <a:pPr fontAlgn="b"/>
+            <a:r>
+              <a:rPr lang="en-US" altLang="ko-KR" sz="1600" dirty="0" smtClean="0"/>
+              <a:t/>
+            </a:r>
+            <a:br>
+              <a:rPr lang="en-US" altLang="ko-KR" sz="1600" dirty="0" smtClean="0"/>
+            </a:br>
+            <a:endParaRPr lang="ko-KR" altLang="en-US" sz="1600" dirty="0">
+              <a:solidFill>
+                <a:srgbClr val="FFC000"/>
+              </a:solidFill>
+            </a:endParaRPr>
+          </a:p>
+        </p:txBody>
+      </p:sp>
+      <p:sp>
+        <p:nvSpPr>
+          <p:cNvPr id="15" name="내용 개체 틀 14"/>
+          <p:cNvSpPr>
+            <a:spLocks noGrp="1"/>
+          </p:cNvSpPr>
+          <p:nvPr>
+            <p:ph idx="1"/>
+          </p:nvPr>
+        </p:nvSpPr>
+        <p:spPr>
+          <a:xfrm>
+            <a:off x="899592" y="1556793"/>
+            <a:ext cx="7380820" cy="576063"/>
+          </a:xfrm>
+          <a:solidFill>
+            <a:schemeClr val="bg1"/>
+          </a:solidFill>
+        </p:spPr>
+        <p:txBody>
+          <a:bodyPr anchor="ctr">
+            <a:normAutofit/>
+          </a:bodyPr>
+          <a:lstStyle/>
+          <a:p>
+            <a:pPr marL="285750" indent="-285750" algn="l">
+              <a:buFont typeface="Arial" panose="020B0604020202020204" pitchFamily="34" charset="0"/>
+              <a:buChar char="•"/>
+            </a:pPr>
+            <a:endParaRPr lang="en-US" altLang="ko-KR" sz="1800" dirty="0"/>
+          </a:p>
+        </p:txBody>
+      </p:sp>
+      <p:sp>
+        <p:nvSpPr>
+          <p:cNvPr id="10" name="텍스트 개체 틀 9"/>
+          <p:cNvSpPr>
+            <a:spLocks noGrp="1"/>
+          </p:cNvSpPr>
+          <p:nvPr>
+            <p:ph type="body" sz="quarter" idx="14"/>
+          </p:nvPr>
+        </p:nvSpPr>
+        <p:spPr>
+          <a:xfrm>
+            <a:off x="0" y="599252"/>
+            <a:ext cx="9144000" cy="453484"/>
+          </a:xfrm>
+        </p:spPr>
+        <p:txBody>
+          <a:bodyPr/>
+          <a:lstStyle/>
+          <a:p>
+            <a:pPr algn="ctr"/>
+            <a:r>
+              <a:rPr lang="ko-KR" altLang="en-US" sz="1600" dirty="0" smtClean="0"/>
+              <a:t>완성 사진</a:t>
+            </a:r>
+            <a:endParaRPr lang="ko-KR" altLang="en-US" sz="1600" dirty="0"/>
+          </a:p>
+        </p:txBody>
+      </p:sp>
+      <p:sp>
+        <p:nvSpPr>
+          <p:cNvPr id="17" name="슬라이드 번호 개체 틀 16"/>
+          <p:cNvSpPr>
+            <a:spLocks noGrp="1"/>
+          </p:cNvSpPr>
+          <p:nvPr>
+            <p:ph type="sldNum" sz="quarter" idx="12"/>
+          </p:nvPr>
+        </p:nvSpPr>
+        <p:spPr>
+          <a:xfrm>
+            <a:off x="107504" y="1916832"/>
+            <a:ext cx="733140" cy="196131"/>
+          </a:xfrm>
+        </p:spPr>
+        <p:txBody>
+          <a:bodyPr/>
+          <a:lstStyle/>
+          <a:p>
+            <a:r>
+              <a:rPr lang="en-US" altLang="ko-KR" dirty="0"/>
+              <a:t>1</a:t>
+            </a:r>
+            <a:endParaRPr lang="ko-KR" altLang="en-US" dirty="0"/>
+          </a:p>
+        </p:txBody>
+      </p:sp>
+      <p:sp>
+        <p:nvSpPr>
+          <p:cNvPr id="30" name="제목 5"/>
+          <p:cNvSpPr txBox="1">
+            <a:spLocks/>
+          </p:cNvSpPr>
+          <p:nvPr/>
+        </p:nvSpPr>
+        <p:spPr>
+          <a:xfrm>
+            <a:off x="0" y="6424443"/>
+            <a:ext cx="9126082" cy="504055"/>
+          </a:xfrm>
+          <a:prstGeom prst="rect">
+            <a:avLst/>
+          </a:prstGeom>
+          <a:solidFill>
+            <a:srgbClr val="4949E7"/>
+          </a:solidFill>
+          <a:ln w="38100">
+            <a:solidFill>
+              <a:srgbClr val="4949E7"/>
+            </a:solidFill>
+          </a:ln>
+        </p:spPr>
+        <p:txBody>
+          <a:bodyPr vert="horz" lIns="72000" tIns="45720" rIns="72000" bIns="45720" rtlCol="0" anchor="ctr">
+            <a:normAutofit fontScale="62500" lnSpcReduction="20000"/>
+          </a:bodyPr>
+          <a:lstStyle>
+            <a:lvl1pPr algn="dist" defTabSz="914400" rtl="0" eaLnBrk="1" latinLnBrk="1" hangingPunct="1">
+              <a:lnSpc>
+                <a:spcPct val="150000"/>
+              </a:lnSpc>
+              <a:spcBef>
+                <a:spcPct val="0"/>
+              </a:spcBef>
+              <a:buNone/>
+              <a:defRPr sz="3200" b="1" kern="1200">
+                <a:ln>
+                  <a:solidFill>
+                    <a:schemeClr val="accent1">
+                      <a:alpha val="0"/>
+                    </a:schemeClr>
+                  </a:solidFill>
+                </a:ln>
+                <a:solidFill>
+                  <a:schemeClr val="bg1"/>
+                </a:solidFill>
+                <a:latin typeface="+mj-lt"/>
+                <a:ea typeface="+mj-ea"/>
+                <a:cs typeface="+mj-cs"/>
+              </a:defRPr>
+            </a:lvl1pPr>
+          </a:lstStyle>
+          <a:p>
+            <a:pPr fontAlgn="b"/>
+            <a:r>
+              <a:rPr lang="en-US" altLang="ko-KR" sz="1600" dirty="0" smtClean="0"/>
+              <a:t/>
+            </a:r>
+            <a:br>
+              <a:rPr lang="en-US" altLang="ko-KR" sz="1600" dirty="0" smtClean="0"/>
+            </a:br>
+            <a:endParaRPr lang="ko-KR" altLang="en-US" sz="1600" dirty="0">
+              <a:solidFill>
+                <a:srgbClr val="FFC000"/>
+              </a:solidFill>
+            </a:endParaRPr>
+          </a:p>
+        </p:txBody>
+      </p:sp>
+      <p:sp>
+        <p:nvSpPr>
+          <p:cNvPr id="31" name="제목 5"/>
+          <p:cNvSpPr txBox="1">
+            <a:spLocks/>
+          </p:cNvSpPr>
+          <p:nvPr/>
+        </p:nvSpPr>
+        <p:spPr>
+          <a:xfrm>
+            <a:off x="323528" y="6421625"/>
+            <a:ext cx="9088398" cy="535767"/>
+          </a:xfrm>
+          <a:prstGeom prst="rect">
+            <a:avLst/>
+          </a:prstGeom>
+        </p:spPr>
+        <p:txBody>
+          <a:bodyPr vert="horz" lIns="0" tIns="0" rIns="0" bIns="0" rtlCol="0" anchor="ctr">
+            <a:noAutofit/>
+          </a:bodyPr>
+          <a:lstStyle>
+            <a:lvl1pPr algn="ctr" defTabSz="914400" rtl="0" eaLnBrk="1" latinLnBrk="1" hangingPunct="1">
+              <a:lnSpc>
+                <a:spcPct val="90000"/>
+              </a:lnSpc>
+              <a:spcBef>
+                <a:spcPct val="0"/>
+              </a:spcBef>
+              <a:buNone/>
+              <a:defRPr lang="en-US" sz="3200" b="1" kern="1200" spc="600" dirty="0">
+                <a:ln>
+                  <a:solidFill>
+                    <a:schemeClr val="accent1">
+                      <a:alpha val="0"/>
+                    </a:schemeClr>
+                  </a:solidFill>
+                </a:ln>
+                <a:solidFill>
+                  <a:schemeClr val="tx1">
+                    <a:lumMod val="75000"/>
+                    <a:lumOff val="25000"/>
+                  </a:schemeClr>
+                </a:solidFill>
+                <a:latin typeface="+mj-lt"/>
+                <a:ea typeface="+mj-ea"/>
+                <a:cs typeface="+mj-cs"/>
+              </a:defRPr>
+            </a:lvl1pPr>
+          </a:lstStyle>
+          <a:p>
+            <a:pPr algn="l"/>
+            <a:r>
+              <a:rPr lang="ko-KR" altLang="en-US" sz="1800" spc="0" dirty="0" smtClean="0">
+                <a:solidFill>
+                  <a:schemeClr val="bg1"/>
+                </a:solidFill>
+              </a:rPr>
+              <a:t>마이크로프로세서 및 실습</a:t>
+            </a:r>
+            <a:r>
+              <a:rPr lang="en-US" altLang="ko-KR" sz="1800" spc="0" dirty="0" smtClean="0">
+                <a:solidFill>
+                  <a:schemeClr val="bg1"/>
+                </a:solidFill>
+              </a:rPr>
+              <a:t>						</a:t>
+            </a:r>
+            <a:endParaRPr lang="ko-KR" altLang="en-US" sz="1800" spc="0" dirty="0">
+              <a:solidFill>
+                <a:schemeClr val="bg1"/>
+              </a:solidFill>
+            </a:endParaRPr>
+          </a:p>
+        </p:txBody>
+      </p:sp>
+      <p:sp>
+        <p:nvSpPr>
+          <p:cNvPr id="12" name="직사각형 11"/>
+          <p:cNvSpPr/>
+          <p:nvPr/>
+        </p:nvSpPr>
+        <p:spPr>
+          <a:xfrm>
+            <a:off x="485800" y="2122140"/>
+            <a:ext cx="8118648" cy="3827140"/>
+          </a:xfrm>
+          <a:prstGeom prst="rect">
+            <a:avLst/>
+          </a:prstGeom>
+          <a:noFill/>
+          <a:ln w="38100">
+            <a:solidFill>
+              <a:srgbClr val="4949E7"/>
+            </a:solidFill>
+          </a:ln>
+        </p:spPr>
+        <p:style>
+          <a:lnRef idx="2">
+            <a:schemeClr val="accent1">
+              <a:shade val="50000"/>
+            </a:schemeClr>
+          </a:lnRef>
+          <a:fillRef idx="1">
+            <a:schemeClr val="accent1"/>
+          </a:fillRef>
+          <a:effectRef idx="0">
+            <a:schemeClr val="accent1"/>
+          </a:effectRef>
+          <a:fontRef idx="minor">
+            <a:schemeClr val="lt1"/>
+          </a:fontRef>
+        </p:style>
+        <p:txBody>
+          <a:bodyPr rtlCol="0" anchor="ctr"/>
+          <a:lstStyle/>
+          <a:p>
+            <a:pPr algn="ctr"/>
+            <a:endParaRPr lang="ko-KR" altLang="en-US"/>
+          </a:p>
+        </p:txBody>
+      </p:sp>
+      <p:sp>
+        <p:nvSpPr>
+          <p:cNvPr id="35" name="제목 5"/>
+          <p:cNvSpPr txBox="1">
+            <a:spLocks/>
+          </p:cNvSpPr>
+          <p:nvPr/>
+        </p:nvSpPr>
+        <p:spPr>
+          <a:xfrm>
+            <a:off x="280820" y="-27384"/>
+            <a:ext cx="8801877" cy="535767"/>
+          </a:xfrm>
+          <a:prstGeom prst="rect">
+            <a:avLst/>
+          </a:prstGeom>
+        </p:spPr>
+        <p:txBody>
+          <a:bodyPr vert="horz" lIns="0" tIns="0" rIns="0" bIns="0" rtlCol="0" anchor="ctr">
+            <a:noAutofit/>
+          </a:bodyPr>
+          <a:lstStyle>
+            <a:lvl1pPr algn="ctr" defTabSz="914400" rtl="0" eaLnBrk="1" latinLnBrk="1" hangingPunct="1">
+              <a:lnSpc>
+                <a:spcPct val="90000"/>
+              </a:lnSpc>
+              <a:spcBef>
+                <a:spcPct val="0"/>
+              </a:spcBef>
+              <a:buNone/>
+              <a:defRPr lang="en-US" sz="3200" b="1" kern="1200" spc="600" dirty="0">
+                <a:ln>
+                  <a:solidFill>
+                    <a:schemeClr val="accent1">
+                      <a:alpha val="0"/>
+                    </a:schemeClr>
+                  </a:solidFill>
+                </a:ln>
+                <a:solidFill>
+                  <a:schemeClr val="tx1">
+                    <a:lumMod val="75000"/>
+                    <a:lumOff val="25000"/>
+                  </a:schemeClr>
+                </a:solidFill>
+                <a:latin typeface="+mj-lt"/>
+                <a:ea typeface="+mj-ea"/>
+                <a:cs typeface="+mj-cs"/>
+              </a:defRPr>
+            </a:lvl1pPr>
+          </a:lstStyle>
+          <a:p>
+            <a:pPr algn="l"/>
+            <a:r>
+              <a:rPr lang="ko-KR" altLang="en-US" sz="1800" spc="0" dirty="0" smtClean="0">
+                <a:solidFill>
+                  <a:schemeClr val="bg1"/>
+                </a:solidFill>
+              </a:rPr>
+              <a:t>사진 및 영상</a:t>
+            </a:r>
+            <a:r>
+              <a:rPr lang="ko-KR" altLang="en-US" sz="1800" spc="0" dirty="0" smtClean="0">
+                <a:solidFill>
+                  <a:schemeClr val="bg1"/>
+                </a:solidFill>
+              </a:rPr>
+              <a:t>						</a:t>
+            </a:r>
+            <a:r>
+              <a:rPr lang="en-US" altLang="ko-KR" sz="1800" spc="0" dirty="0" smtClean="0">
+                <a:solidFill>
+                  <a:schemeClr val="bg1"/>
+                </a:solidFill>
+              </a:rPr>
+              <a:t>Safe House for Reptile</a:t>
+            </a:r>
+            <a:endParaRPr lang="en-US" altLang="ko-KR" sz="1800" spc="0" dirty="0">
+              <a:solidFill>
+                <a:schemeClr val="bg1"/>
+              </a:solidFill>
+            </a:endParaRPr>
+          </a:p>
+        </p:txBody>
+      </p:sp>
+      <p:pic>
+        <p:nvPicPr>
+          <p:cNvPr id="2050" name="Picture 2"/>
+          <p:cNvPicPr>
+            <a:picLocks noChangeAspect="1" noChangeArrowheads="1"/>
+          </p:cNvPicPr>
+          <p:nvPr/>
+        </p:nvPicPr>
+        <p:blipFill>
+          <a:blip r:embed="rId3">
+            <a:extLst>
+              <a:ext uri="{28A0092B-C50C-407E-A947-70E740481C1C}">
+                <a14:useLocalDpi xmlns:a14="http://schemas.microsoft.com/office/drawing/2010/main" val="0"/>
+              </a:ext>
+            </a:extLst>
+          </a:blip>
+          <a:srcRect/>
+          <a:stretch>
+            <a:fillRect/>
+          </a:stretch>
+        </p:blipFill>
+        <p:spPr bwMode="auto">
+          <a:xfrm>
+            <a:off x="0" y="1378838"/>
+            <a:ext cx="9126081" cy="5045605"/>
+          </a:xfrm>
+          <a:prstGeom prst="rect">
+            <a:avLst/>
+          </a:prstGeom>
+          <a:noFill/>
+          <a:ln>
+            <a:noFill/>
+          </a:ln>
+          <a:extLst>
+            <a:ext uri="{909E8E84-426E-40DD-AFC4-6F175D3DCCD1}">
+              <a14:hiddenFill xmlns:a14="http://schemas.microsoft.com/office/drawing/2010/main">
+                <a:solidFill>
+                  <a:schemeClr val="accent1"/>
+                </a:solidFill>
+              </a14:hiddenFill>
+            </a:ext>
+            <a:ext uri="{91240B29-F687-4F45-9708-019B960494DF}">
+              <a14:hiddenLine xmlns:a14="http://schemas.microsoft.com/office/drawing/2010/main" w="9525">
+                <a:solidFill>
+                  <a:schemeClr val="tx1"/>
+                </a:solidFill>
+                <a:miter lim="800000"/>
+                <a:headEnd/>
+                <a:tailEnd/>
+              </a14:hiddenLine>
+            </a:ext>
+          </a:extLst>
+        </p:spPr>
+      </p:pic>
+    </p:spTree>
+    <p:extLst>
+      <p:ext uri="{BB962C8B-B14F-4D97-AF65-F5344CB8AC3E}">
+        <p14:creationId xmlns:p14="http://schemas.microsoft.com/office/powerpoint/2010/main" val="577923634"/>
+      </p:ext>
+    </p:extLst>
+  </p:cSld>
+  <p:clrMapOvr>
+    <a:masterClrMapping/>
+  </p:clrMapOvr>
+  <p:timing>
+    <p:tnLst>
+      <p:par>
+        <p:cTn id="1" dur="indefinite" restart="never" nodeType="tmRoot"/>
+      </p:par>
+    </p:tnLst>
+  </p:timing>
+</p:sld>
+</file>
+
+<file path=ppt/slides/slide9.xml><?xml version="1.0" encoding="utf-8"?>
+<p:sld xmlns:a="http://schemas.openxmlformats.org/drawingml/2006/main" xmlns:r="http://schemas.openxmlformats.org/officeDocument/2006/relationships" xmlns:p="http://schemas.openxmlformats.org/presentationml/2006/main">
+  <p:cSld>
+    <p:spTree>
+      <p:nvGrpSpPr>
+        <p:cNvPr id="1" name=""/>
+        <p:cNvGrpSpPr/>
+        <p:nvPr/>
+      </p:nvGrpSpPr>
+      <p:grpSpPr>
+        <a:xfrm>
+          <a:off x="0" y="0"/>
+          <a:ext cx="0" cy="0"/>
+          <a:chOff x="0" y="0"/>
+          <a:chExt cx="0" cy="0"/>
+        </a:xfrm>
+      </p:grpSpPr>
+      <p:sp>
+        <p:nvSpPr>
+          <p:cNvPr id="28" name="제목 5"/>
+          <p:cNvSpPr txBox="1">
+            <a:spLocks/>
+          </p:cNvSpPr>
+          <p:nvPr/>
+        </p:nvSpPr>
+        <p:spPr>
+          <a:xfrm>
+            <a:off x="-18594" y="-24566"/>
+            <a:ext cx="9162594" cy="504055"/>
+          </a:xfrm>
+          <a:prstGeom prst="rect">
+            <a:avLst/>
+          </a:prstGeom>
+          <a:solidFill>
+            <a:srgbClr val="4949E7"/>
+          </a:solidFill>
+          <a:ln w="38100">
+            <a:solidFill>
+              <a:srgbClr val="4949E7"/>
+            </a:solidFill>
+          </a:ln>
+        </p:spPr>
+        <p:txBody>
+          <a:bodyPr vert="horz" lIns="72000" tIns="45720" rIns="72000" bIns="45720" rtlCol="0" anchor="ctr">
+            <a:normAutofit fontScale="62500" lnSpcReduction="20000"/>
+          </a:bodyPr>
+          <a:lstStyle>
+            <a:lvl1pPr algn="dist" defTabSz="914400" rtl="0" eaLnBrk="1" latinLnBrk="1" hangingPunct="1">
+              <a:lnSpc>
+                <a:spcPct val="150000"/>
+              </a:lnSpc>
+              <a:spcBef>
+                <a:spcPct val="0"/>
+              </a:spcBef>
+              <a:buNone/>
+              <a:defRPr sz="3200" b="1" kern="1200">
+                <a:ln>
+                  <a:solidFill>
+                    <a:schemeClr val="accent1">
+                      <a:alpha val="0"/>
+                    </a:schemeClr>
+                  </a:solidFill>
+                </a:ln>
+                <a:solidFill>
+                  <a:schemeClr val="bg1"/>
+                </a:solidFill>
+                <a:latin typeface="+mj-lt"/>
+                <a:ea typeface="+mj-ea"/>
+                <a:cs typeface="+mj-cs"/>
+              </a:defRPr>
+            </a:lvl1pPr>
+          </a:lstStyle>
+          <a:p>
+            <a:pPr fontAlgn="b"/>
+            <a:r>
+              <a:rPr lang="en-US" altLang="ko-KR" sz="1600" dirty="0" smtClean="0"/>
+              <a:t/>
+            </a:r>
+            <a:br>
+              <a:rPr lang="en-US" altLang="ko-KR" sz="1600" dirty="0" smtClean="0"/>
+            </a:br>
+            <a:endParaRPr lang="ko-KR" altLang="en-US" sz="1600" dirty="0">
+              <a:solidFill>
+                <a:srgbClr val="FFC000"/>
+              </a:solidFill>
+            </a:endParaRPr>
+          </a:p>
+        </p:txBody>
+      </p:sp>
+      <p:sp>
+        <p:nvSpPr>
+          <p:cNvPr id="15" name="내용 개체 틀 14"/>
+          <p:cNvSpPr>
+            <a:spLocks noGrp="1"/>
+          </p:cNvSpPr>
+          <p:nvPr>
+            <p:ph idx="1"/>
+          </p:nvPr>
+        </p:nvSpPr>
+        <p:spPr>
+          <a:xfrm>
+            <a:off x="899592" y="1556793"/>
+            <a:ext cx="7380820" cy="576063"/>
+          </a:xfrm>
+          <a:solidFill>
+            <a:schemeClr val="bg1"/>
+          </a:solidFill>
+        </p:spPr>
+        <p:txBody>
+          <a:bodyPr anchor="ctr">
+            <a:normAutofit/>
+          </a:bodyPr>
+          <a:lstStyle/>
+          <a:p>
+            <a:pPr marL="285750" indent="-285750" algn="l">
+              <a:buFont typeface="Arial" panose="020B0604020202020204" pitchFamily="34" charset="0"/>
+              <a:buChar char="•"/>
+            </a:pPr>
+            <a:endParaRPr lang="en-US" altLang="ko-KR" sz="1800" dirty="0"/>
+          </a:p>
+        </p:txBody>
+      </p:sp>
+      <p:sp>
+        <p:nvSpPr>
+          <p:cNvPr id="10" name="텍스트 개체 틀 9"/>
+          <p:cNvSpPr>
+            <a:spLocks noGrp="1"/>
+          </p:cNvSpPr>
+          <p:nvPr>
+            <p:ph type="body" sz="quarter" idx="14"/>
+          </p:nvPr>
+        </p:nvSpPr>
+        <p:spPr>
+          <a:xfrm>
+            <a:off x="0" y="599252"/>
+            <a:ext cx="9144000" cy="453484"/>
+          </a:xfrm>
+        </p:spPr>
+        <p:txBody>
+          <a:bodyPr/>
+          <a:lstStyle/>
+          <a:p>
+            <a:pPr algn="ctr"/>
+            <a:r>
+              <a:rPr lang="ko-KR" altLang="en-US" sz="1600" dirty="0" smtClean="0"/>
+              <a:t>완성 사진</a:t>
+            </a:r>
+            <a:endParaRPr lang="ko-KR" altLang="en-US" sz="1600" dirty="0"/>
+          </a:p>
+        </p:txBody>
+      </p:sp>
+      <p:sp>
+        <p:nvSpPr>
+          <p:cNvPr id="17" name="슬라이드 번호 개체 틀 16"/>
+          <p:cNvSpPr>
+            <a:spLocks noGrp="1"/>
+          </p:cNvSpPr>
+          <p:nvPr>
+            <p:ph type="sldNum" sz="quarter" idx="12"/>
+          </p:nvPr>
+        </p:nvSpPr>
+        <p:spPr>
+          <a:xfrm>
+            <a:off x="107504" y="1916832"/>
+            <a:ext cx="733140" cy="196131"/>
+          </a:xfrm>
+        </p:spPr>
+        <p:txBody>
+          <a:bodyPr/>
+          <a:lstStyle/>
+          <a:p>
+            <a:r>
+              <a:rPr lang="en-US" altLang="ko-KR" dirty="0"/>
+              <a:t>1</a:t>
+            </a:r>
+            <a:endParaRPr lang="ko-KR" altLang="en-US" dirty="0"/>
+          </a:p>
+        </p:txBody>
+      </p:sp>
+      <p:sp>
+        <p:nvSpPr>
+          <p:cNvPr id="30" name="제목 5"/>
+          <p:cNvSpPr txBox="1">
+            <a:spLocks/>
+          </p:cNvSpPr>
+          <p:nvPr/>
+        </p:nvSpPr>
+        <p:spPr>
+          <a:xfrm>
+            <a:off x="0" y="6424443"/>
+            <a:ext cx="9126082" cy="504055"/>
+          </a:xfrm>
+          <a:prstGeom prst="rect">
+            <a:avLst/>
+          </a:prstGeom>
+          <a:solidFill>
+            <a:srgbClr val="4949E7"/>
+          </a:solidFill>
+          <a:ln w="38100">
+            <a:solidFill>
+              <a:srgbClr val="4949E7"/>
+            </a:solidFill>
+          </a:ln>
+        </p:spPr>
+        <p:txBody>
+          <a:bodyPr vert="horz" lIns="72000" tIns="45720" rIns="72000" bIns="45720" rtlCol="0" anchor="ctr">
+            <a:normAutofit fontScale="62500" lnSpcReduction="20000"/>
+          </a:bodyPr>
+          <a:lstStyle>
+            <a:lvl1pPr algn="dist" defTabSz="914400" rtl="0" eaLnBrk="1" latinLnBrk="1" hangingPunct="1">
+              <a:lnSpc>
+                <a:spcPct val="150000"/>
+              </a:lnSpc>
+              <a:spcBef>
+                <a:spcPct val="0"/>
+              </a:spcBef>
+              <a:buNone/>
+              <a:defRPr sz="3200" b="1" kern="1200">
+                <a:ln>
+                  <a:solidFill>
+                    <a:schemeClr val="accent1">
+                      <a:alpha val="0"/>
+                    </a:schemeClr>
+                  </a:solidFill>
+                </a:ln>
+                <a:solidFill>
+                  <a:schemeClr val="bg1"/>
+                </a:solidFill>
+                <a:latin typeface="+mj-lt"/>
+                <a:ea typeface="+mj-ea"/>
+                <a:cs typeface="+mj-cs"/>
+              </a:defRPr>
+            </a:lvl1pPr>
+          </a:lstStyle>
+          <a:p>
+            <a:pPr fontAlgn="b"/>
+            <a:r>
+              <a:rPr lang="en-US" altLang="ko-KR" sz="1600" dirty="0" smtClean="0"/>
+              <a:t/>
+            </a:r>
+            <a:br>
+              <a:rPr lang="en-US" altLang="ko-KR" sz="1600" dirty="0" smtClean="0"/>
+            </a:br>
+            <a:endParaRPr lang="ko-KR" altLang="en-US" sz="1600" dirty="0">
+              <a:solidFill>
+                <a:srgbClr val="FFC000"/>
+              </a:solidFill>
+            </a:endParaRPr>
+          </a:p>
+        </p:txBody>
+      </p:sp>
+      <p:sp>
+        <p:nvSpPr>
+          <p:cNvPr id="31" name="제목 5"/>
+          <p:cNvSpPr txBox="1">
+            <a:spLocks/>
+          </p:cNvSpPr>
+          <p:nvPr/>
+        </p:nvSpPr>
+        <p:spPr>
+          <a:xfrm>
+            <a:off x="323528" y="6421625"/>
+            <a:ext cx="9088398" cy="535767"/>
+          </a:xfrm>
+          <a:prstGeom prst="rect">
+            <a:avLst/>
+          </a:prstGeom>
+        </p:spPr>
+        <p:txBody>
+          <a:bodyPr vert="horz" lIns="0" tIns="0" rIns="0" bIns="0" rtlCol="0" anchor="ctr">
+            <a:noAutofit/>
+          </a:bodyPr>
+          <a:lstStyle>
+            <a:lvl1pPr algn="ctr" defTabSz="914400" rtl="0" eaLnBrk="1" latinLnBrk="1" hangingPunct="1">
+              <a:lnSpc>
+                <a:spcPct val="90000"/>
+              </a:lnSpc>
+              <a:spcBef>
+                <a:spcPct val="0"/>
+              </a:spcBef>
+              <a:buNone/>
+              <a:defRPr lang="en-US" sz="3200" b="1" kern="1200" spc="600" dirty="0">
+                <a:ln>
+                  <a:solidFill>
+                    <a:schemeClr val="accent1">
+                      <a:alpha val="0"/>
+                    </a:schemeClr>
+                  </a:solidFill>
+                </a:ln>
+                <a:solidFill>
+                  <a:schemeClr val="tx1">
+                    <a:lumMod val="75000"/>
+                    <a:lumOff val="25000"/>
+                  </a:schemeClr>
+                </a:solidFill>
+                <a:latin typeface="+mj-lt"/>
+                <a:ea typeface="+mj-ea"/>
+                <a:cs typeface="+mj-cs"/>
+              </a:defRPr>
+            </a:lvl1pPr>
+          </a:lstStyle>
+          <a:p>
+            <a:pPr algn="l"/>
+            <a:r>
+              <a:rPr lang="ko-KR" altLang="en-US" sz="1800" spc="0" dirty="0" smtClean="0">
+                <a:solidFill>
+                  <a:schemeClr val="bg1"/>
+                </a:solidFill>
+              </a:rPr>
+              <a:t>마이크로프로세서 및 실습</a:t>
+            </a:r>
+            <a:r>
+              <a:rPr lang="en-US" altLang="ko-KR" sz="1800" spc="0" dirty="0" smtClean="0">
+                <a:solidFill>
+                  <a:schemeClr val="bg1"/>
+                </a:solidFill>
+              </a:rPr>
+              <a:t>						</a:t>
+            </a:r>
+            <a:endParaRPr lang="ko-KR" altLang="en-US" sz="1800" spc="0" dirty="0">
+              <a:solidFill>
+                <a:schemeClr val="bg1"/>
+              </a:solidFill>
+            </a:endParaRPr>
+          </a:p>
+        </p:txBody>
+      </p:sp>
+      <p:sp>
+        <p:nvSpPr>
+          <p:cNvPr id="12" name="직사각형 11"/>
+          <p:cNvSpPr/>
+          <p:nvPr/>
+        </p:nvSpPr>
+        <p:spPr>
+          <a:xfrm>
+            <a:off x="485800" y="2122140"/>
+            <a:ext cx="8118648" cy="3827140"/>
+          </a:xfrm>
+          <a:prstGeom prst="rect">
+            <a:avLst/>
+          </a:prstGeom>
+          <a:noFill/>
+          <a:ln w="38100">
+            <a:solidFill>
+              <a:srgbClr val="4949E7"/>
+            </a:solidFill>
+          </a:ln>
+        </p:spPr>
+        <p:style>
+          <a:lnRef idx="2">
+            <a:schemeClr val="accent1">
+              <a:shade val="50000"/>
+            </a:schemeClr>
+          </a:lnRef>
+          <a:fillRef idx="1">
+            <a:schemeClr val="accent1"/>
+          </a:fillRef>
+          <a:effectRef idx="0">
+            <a:schemeClr val="accent1"/>
+          </a:effectRef>
+          <a:fontRef idx="minor">
+            <a:schemeClr val="lt1"/>
+          </a:fontRef>
+        </p:style>
+        <p:txBody>
+          <a:bodyPr rtlCol="0" anchor="ctr"/>
+          <a:lstStyle/>
+          <a:p>
+            <a:pPr algn="ctr"/>
+            <a:endParaRPr lang="ko-KR" altLang="en-US"/>
+          </a:p>
+        </p:txBody>
+      </p:sp>
+      <p:sp>
+        <p:nvSpPr>
+          <p:cNvPr id="35" name="제목 5"/>
+          <p:cNvSpPr txBox="1">
+            <a:spLocks/>
+          </p:cNvSpPr>
+          <p:nvPr/>
+        </p:nvSpPr>
+        <p:spPr>
+          <a:xfrm>
+            <a:off x="280820" y="-27384"/>
+            <a:ext cx="8801877" cy="535767"/>
+          </a:xfrm>
+          <a:prstGeom prst="rect">
+            <a:avLst/>
+          </a:prstGeom>
+        </p:spPr>
+        <p:txBody>
+          <a:bodyPr vert="horz" lIns="0" tIns="0" rIns="0" bIns="0" rtlCol="0" anchor="ctr">
+            <a:noAutofit/>
+          </a:bodyPr>
+          <a:lstStyle>
+            <a:lvl1pPr algn="ctr" defTabSz="914400" rtl="0" eaLnBrk="1" latinLnBrk="1" hangingPunct="1">
+              <a:lnSpc>
+                <a:spcPct val="90000"/>
+              </a:lnSpc>
+              <a:spcBef>
+                <a:spcPct val="0"/>
+              </a:spcBef>
+              <a:buNone/>
+              <a:defRPr lang="en-US" sz="3200" b="1" kern="1200" spc="600" dirty="0">
+                <a:ln>
+                  <a:solidFill>
+                    <a:schemeClr val="accent1">
+                      <a:alpha val="0"/>
+                    </a:schemeClr>
+                  </a:solidFill>
+                </a:ln>
+                <a:solidFill>
+                  <a:schemeClr val="tx1">
+                    <a:lumMod val="75000"/>
+                    <a:lumOff val="25000"/>
+                  </a:schemeClr>
+                </a:solidFill>
+                <a:latin typeface="+mj-lt"/>
+                <a:ea typeface="+mj-ea"/>
+                <a:cs typeface="+mj-cs"/>
+              </a:defRPr>
+            </a:lvl1pPr>
+          </a:lstStyle>
+          <a:p>
+            <a:pPr algn="l"/>
+            <a:r>
+              <a:rPr lang="ko-KR" altLang="en-US" sz="1800" spc="0" dirty="0" smtClean="0">
+                <a:solidFill>
+                  <a:schemeClr val="bg1"/>
+                </a:solidFill>
+              </a:rPr>
+              <a:t>사진 및 영상</a:t>
+            </a:r>
+            <a:r>
+              <a:rPr lang="ko-KR" altLang="en-US" sz="1800" spc="0" dirty="0" smtClean="0">
+                <a:solidFill>
+                  <a:schemeClr val="bg1"/>
+                </a:solidFill>
+              </a:rPr>
+              <a:t>						</a:t>
+            </a:r>
+            <a:r>
+              <a:rPr lang="en-US" altLang="ko-KR" sz="1800" spc="0" dirty="0" smtClean="0">
+                <a:solidFill>
+                  <a:schemeClr val="bg1"/>
+                </a:solidFill>
+              </a:rPr>
+              <a:t>Safe House for Reptile</a:t>
+            </a:r>
+            <a:endParaRPr lang="en-US" altLang="ko-KR" sz="1800" spc="0" dirty="0">
+              <a:solidFill>
+                <a:schemeClr val="bg1"/>
+              </a:solidFill>
+            </a:endParaRPr>
+          </a:p>
+        </p:txBody>
+      </p:sp>
+      <p:pic>
+        <p:nvPicPr>
+          <p:cNvPr id="3074" name="Picture 2"/>
+          <p:cNvPicPr>
+            <a:picLocks noChangeAspect="1" noChangeArrowheads="1"/>
+          </p:cNvPicPr>
+          <p:nvPr/>
+        </p:nvPicPr>
+        <p:blipFill>
+          <a:blip r:embed="rId3">
+            <a:extLst>
+              <a:ext uri="{28A0092B-C50C-407E-A947-70E740481C1C}">
+                <a14:useLocalDpi xmlns:a14="http://schemas.microsoft.com/office/drawing/2010/main" val="0"/>
+              </a:ext>
+            </a:extLst>
+          </a:blip>
+          <a:srcRect/>
+          <a:stretch>
+            <a:fillRect/>
+          </a:stretch>
+        </p:blipFill>
+        <p:spPr bwMode="auto">
+          <a:xfrm>
+            <a:off x="16016" y="1412775"/>
+            <a:ext cx="4195944" cy="5011668"/>
+          </a:xfrm>
+          <a:prstGeom prst="rect">
+            <a:avLst/>
+          </a:prstGeom>
+          <a:noFill/>
+          <a:ln>
+            <a:noFill/>
+          </a:ln>
+          <a:extLst>
+            <a:ext uri="{909E8E84-426E-40DD-AFC4-6F175D3DCCD1}">
+              <a14:hiddenFill xmlns:a14="http://schemas.microsoft.com/office/drawing/2010/main">
+                <a:solidFill>
+                  <a:schemeClr val="accent1"/>
+                </a:solidFill>
+              </a14:hiddenFill>
+            </a:ext>
+            <a:ext uri="{91240B29-F687-4F45-9708-019B960494DF}">
+              <a14:hiddenLine xmlns:a14="http://schemas.microsoft.com/office/drawing/2010/main" w="9525">
+                <a:solidFill>
+                  <a:schemeClr val="tx1"/>
+                </a:solidFill>
+                <a:miter lim="800000"/>
+                <a:headEnd/>
+                <a:tailEnd/>
+              </a14:hiddenLine>
+            </a:ext>
+          </a:extLst>
+        </p:spPr>
+      </p:pic>
+      <p:pic>
+        <p:nvPicPr>
+          <p:cNvPr id="3075" name="Picture 3"/>
+          <p:cNvPicPr>
+            <a:picLocks noChangeAspect="1" noChangeArrowheads="1"/>
+          </p:cNvPicPr>
+          <p:nvPr/>
+        </p:nvPicPr>
+        <p:blipFill>
+          <a:blip r:embed="rId4">
+            <a:extLst>
+              <a:ext uri="{28A0092B-C50C-407E-A947-70E740481C1C}">
+                <a14:useLocalDpi xmlns:a14="http://schemas.microsoft.com/office/drawing/2010/main" val="0"/>
+              </a:ext>
+            </a:extLst>
+          </a:blip>
+          <a:srcRect/>
+          <a:stretch>
+            <a:fillRect/>
+          </a:stretch>
+        </p:blipFill>
+        <p:spPr bwMode="auto">
+          <a:xfrm>
+            <a:off x="4211960" y="1412775"/>
+            <a:ext cx="4932040" cy="5011667"/>
+          </a:xfrm>
+          <a:prstGeom prst="rect">
+            <a:avLst/>
+          </a:prstGeom>
+          <a:noFill/>
+          <a:ln>
+            <a:noFill/>
+          </a:ln>
+          <a:extLst>
+            <a:ext uri="{909E8E84-426E-40DD-AFC4-6F175D3DCCD1}">
+              <a14:hiddenFill xmlns:a14="http://schemas.microsoft.com/office/drawing/2010/main">
+                <a:solidFill>
+                  <a:schemeClr val="accent1"/>
+                </a:solidFill>
+              </a14:hiddenFill>
+            </a:ext>
+            <a:ext uri="{91240B29-F687-4F45-9708-019B960494DF}">
+              <a14:hiddenLine xmlns:a14="http://schemas.microsoft.com/office/drawing/2010/main" w="9525">
+                <a:solidFill>
+                  <a:schemeClr val="tx1"/>
+                </a:solidFill>
+                <a:miter lim="800000"/>
+                <a:headEnd/>
+                <a:tailEnd/>
+              </a14:hiddenLine>
+            </a:ext>
+          </a:extLst>
+        </p:spPr>
+      </p:pic>
+    </p:spTree>
+    <p:extLst>
+      <p:ext uri="{BB962C8B-B14F-4D97-AF65-F5344CB8AC3E}">
+        <p14:creationId xmlns:p14="http://schemas.microsoft.com/office/powerpoint/2010/main" val="2881358612"/>
       </p:ext>
     </p:extLst>
   </p:cSld>
@@ -14669,7 +17201,7 @@
   <a:extraClrSchemeLst/>
   <a:extLst>
     <a:ext uri="{05A4C25C-085E-4340-85A3-A5531E510DB2}">
-      <thm15:themeFamily xmlns:thm15="http://schemas.microsoft.com/office/thememl/2012/main" xmlns="" name="Office Theme" id="{62F939B6-93AF-4DB8-9C6B-D6C7DFDC589F}" vid="{4A3C46E8-61CC-4603-A589-7422A47A8E4A}"/>
+      <thm15:themeFamily xmlns="" xmlns:thm15="http://schemas.microsoft.com/office/thememl/2012/main" name="Office Theme" id="{62F939B6-93AF-4DB8-9C6B-D6C7DFDC589F}" vid="{4A3C46E8-61CC-4603-A589-7422A47A8E4A}"/>
     </a:ext>
   </a:extLst>
 </a:theme>
@@ -14930,7 +17462,7 @@
   <a:extraClrSchemeLst/>
   <a:extLst>
     <a:ext uri="{05A4C25C-085E-4340-85A3-A5531E510DB2}">
-      <thm15:themeFamily xmlns:thm15="http://schemas.microsoft.com/office/thememl/2012/main" xmlns="" name="Office Theme" id="{62F939B6-93AF-4DB8-9C6B-D6C7DFDC589F}" vid="{4A3C46E8-61CC-4603-A589-7422A47A8E4A}"/>
+      <thm15:themeFamily xmlns="" xmlns:thm15="http://schemas.microsoft.com/office/thememl/2012/main" name="Office Theme" id="{62F939B6-93AF-4DB8-9C6B-D6C7DFDC589F}" vid="{4A3C46E8-61CC-4603-A589-7422A47A8E4A}"/>
     </a:ext>
   </a:extLst>
 </a:theme>
